--- a/JaPy-ES.pptx
+++ b/JaPy-ES.pptx
@@ -15,7 +15,9 @@
     <p:sldId id="263" r:id="rId9"/>
     <p:sldId id="264" r:id="rId10"/>
     <p:sldId id="265" r:id="rId11"/>
-    <p:sldId id="266" r:id="rId12"/>
+    <p:sldId id="267" r:id="rId12"/>
+    <p:sldId id="266" r:id="rId13"/>
+    <p:sldId id="268" r:id="rId14"/>
   </p:sldIdLst>
   <p:sldSz cx="12192000" cy="6858000"/>
   <p:notesSz cx="6858000" cy="9144000"/>
@@ -114,6 +116,11 @@
       </a:defRPr>
     </a:lvl9pPr>
   </p:defaultTextStyle>
+  <p:extLst>
+    <p:ext uri="{EFAFB233-063F-42B5-8137-9DF3F51BA10A}">
+      <p15:sldGuideLst xmlns:p15="http://schemas.microsoft.com/office/powerpoint/2012/main"/>
+    </p:ext>
+  </p:extLst>
 </p:presentation>
 </file>
 
@@ -6982,13 +6989,18 @@
           <a:lstStyle/>
           <a:p>
             <a:r>
-              <a:rPr lang="es-ES" sz="7200">
+              <a:rPr lang="es-ES" sz="7200" cap="none" dirty="0" err="1">
                 <a:solidFill>
                   <a:srgbClr val="FFFFFF"/>
                 </a:solidFill>
               </a:rPr>
               <a:t>JaPy</a:t>
             </a:r>
+            <a:endParaRPr lang="es-ES" sz="7200" cap="none" dirty="0">
+              <a:solidFill>
+                <a:srgbClr val="FFFFFF"/>
+              </a:solidFill>
+            </a:endParaRPr>
           </a:p>
         </p:txBody>
       </p:sp>
@@ -7618,6 +7630,18 @@
   <p:clrMapOvr>
     <a:masterClrMapping/>
   </p:clrMapOvr>
+  <mc:AlternateContent xmlns:mc="http://schemas.openxmlformats.org/markup-compatibility/2006">
+    <mc:Choice xmlns:p14="http://schemas.microsoft.com/office/powerpoint/2010/main" Requires="p14">
+      <p:transition spd="slow" p14:dur="3900">
+        <p14:glitter pattern="hexagon"/>
+      </p:transition>
+    </mc:Choice>
+    <mc:Fallback>
+      <p:transition spd="slow">
+        <p:fade/>
+      </p:transition>
+    </mc:Fallback>
+  </mc:AlternateContent>
 </p:sld>
 </file>
 
@@ -8358,6 +8382,9 @@
   <p:clrMapOvr>
     <a:masterClrMapping/>
   </p:clrMapOvr>
+  <p:transition spd="med">
+    <p:pull/>
+  </p:transition>
 </p:sld>
 </file>
 
@@ -8386,12 +8413,74 @@
           <a:chExt cx="0" cy="0"/>
         </a:xfrm>
       </p:grpSpPr>
+      <p:cxnSp>
+        <p:nvCxnSpPr>
+          <p:cNvPr id="1031" name="Straight Connector 1030">
+            <a:extLst>
+              <a:ext uri="{FF2B5EF4-FFF2-40B4-BE49-F238E27FC236}">
+                <a16:creationId xmlns:a16="http://schemas.microsoft.com/office/drawing/2014/main" id="{D1B787A8-0D67-4B7E-9B48-86BD906AB6B5}"/>
+              </a:ext>
+              <a:ext uri="{C183D7F6-B498-43B3-948B-1728B52AA6E4}">
+                <adec:decorative xmlns:adec="http://schemas.microsoft.com/office/drawing/2017/decorative" val="1"/>
+              </a:ext>
+            </a:extLst>
+          </p:cNvPr>
+          <p:cNvCxnSpPr>
+            <a:cxnSpLocks noGrp="1" noRot="1" noChangeAspect="1" noMove="1" noResize="1" noEditPoints="1" noAdjustHandles="1" noChangeArrowheads="1" noChangeShapeType="1"/>
+          </p:cNvCxnSpPr>
+          <p:nvPr>
+            <p:extLst>
+              <p:ext uri="{386F3935-93C4-4BCD-93E2-E3B085C9AB24}">
+                <p16:designElem xmlns:p16="http://schemas.microsoft.com/office/powerpoint/2015/main" val="1"/>
+              </p:ext>
+            </p:extLst>
+          </p:nvPr>
+        </p:nvCxnSpPr>
+        <p:spPr>
+          <a:xfrm>
+            <a:off x="715890" y="1114050"/>
+            <a:ext cx="0" cy="5735637"/>
+          </a:xfrm>
+          <a:prstGeom prst="line">
+            <a:avLst/>
+          </a:prstGeom>
+          <a:ln w="25400" cap="sq">
+            <a:gradFill flip="none" rotWithShape="1">
+              <a:gsLst>
+                <a:gs pos="0">
+                  <a:schemeClr val="accent2"/>
+                </a:gs>
+                <a:gs pos="100000">
+                  <a:schemeClr val="accent4"/>
+                </a:gs>
+              </a:gsLst>
+              <a:lin ang="16200000" scaled="1"/>
+              <a:tileRect/>
+            </a:gradFill>
+            <a:bevel/>
+          </a:ln>
+        </p:spPr>
+        <p:style>
+          <a:lnRef idx="1">
+            <a:schemeClr val="accent1"/>
+          </a:lnRef>
+          <a:fillRef idx="0">
+            <a:schemeClr val="accent1"/>
+          </a:fillRef>
+          <a:effectRef idx="0">
+            <a:schemeClr val="accent1"/>
+          </a:effectRef>
+          <a:fontRef idx="minor">
+            <a:schemeClr val="tx1"/>
+          </a:fontRef>
+        </p:style>
+      </p:cxnSp>
       <p:sp>
         <p:nvSpPr>
-          <p:cNvPr id="9" name="Rectangle 8">
+          <p:cNvPr id="1033" name="Rectangle 1032">
             <a:extLst>
               <a:ext uri="{FF2B5EF4-FFF2-40B4-BE49-F238E27FC236}">
-                <a16:creationId xmlns:a16="http://schemas.microsoft.com/office/drawing/2014/main" id="{383F4F3A-DF89-453C-A499-8C259F6A2F13}"/>
+                <a16:creationId xmlns:a16="http://schemas.microsoft.com/office/drawing/2014/main" id="{158B3569-73B2-4D05-8E95-886A6EE17F1F}"/>
               </a:ext>
               <a:ext uri="{C183D7F6-B498-43B3-948B-1728B52AA6E4}">
                 <adec:decorative xmlns:adec="http://schemas.microsoft.com/office/drawing/2017/decorative" val="1"/>
@@ -8454,11 +8543,7 @@
           <a:lstStyle/>
           <a:p>
             <a:pPr algn="ctr"/>
-            <a:endParaRPr lang="en-US">
-              <a:solidFill>
-                <a:schemeClr val="bg1"/>
-              </a:solidFill>
-            </a:endParaRPr>
+            <a:endParaRPr lang="en-US"/>
           </a:p>
         </p:txBody>
       </p:sp>
@@ -8467,7 +8552,7 @@
           <p:cNvPr id="2" name="Título 1">
             <a:extLst>
               <a:ext uri="{FF2B5EF4-FFF2-40B4-BE49-F238E27FC236}">
-                <a16:creationId xmlns:a16="http://schemas.microsoft.com/office/drawing/2014/main" id="{44E7147B-CD37-C334-1BE4-5902F16F01CF}"/>
+                <a16:creationId xmlns:a16="http://schemas.microsoft.com/office/drawing/2014/main" id="{279504F3-1F0C-9570-3D3B-46AE8230421A}"/>
               </a:ext>
             </a:extLst>
           </p:cNvPr>
@@ -8480,34 +8565,176 @@
         </p:nvSpPr>
         <p:spPr>
           <a:xfrm>
-            <a:off x="479394" y="1062487"/>
-            <a:ext cx="3939688" cy="5583126"/>
+            <a:off x="829322" y="1644073"/>
+            <a:ext cx="4076460" cy="2407945"/>
           </a:xfrm>
         </p:spPr>
         <p:txBody>
-          <a:bodyPr>
+          <a:bodyPr vert="horz" lIns="91440" tIns="45720" rIns="91440" bIns="45720" rtlCol="0" anchor="b">
             <a:normAutofit/>
           </a:bodyPr>
           <a:lstStyle/>
           <a:p>
             <a:pPr algn="r"/>
             <a:r>
-              <a:rPr lang="es-ES" sz="5600">
+              <a:rPr lang="en-US" sz="7200" b="1" i="0" kern="1200" cap="all" baseline="0" dirty="0">
                 <a:solidFill>
                   <a:schemeClr val="bg1"/>
                 </a:solidFill>
-              </a:rPr>
-              <a:t>Conclusión</a:t>
-            </a:r>
+                <a:latin typeface="+mj-lt"/>
+                <a:ea typeface="+mj-ea"/>
+                <a:cs typeface="+mj-cs"/>
+              </a:rPr>
+              <a:t>Link a </a:t>
+            </a:r>
+            <a:r>
+              <a:rPr lang="en-US" sz="7200" b="1" i="0" kern="1200" cap="all" baseline="0" dirty="0" err="1">
+                <a:solidFill>
+                  <a:schemeClr val="bg1"/>
+                </a:solidFill>
+                <a:latin typeface="+mj-lt"/>
+                <a:ea typeface="+mj-ea"/>
+                <a:cs typeface="+mj-cs"/>
+              </a:rPr>
+              <a:t>github</a:t>
+            </a:r>
+            <a:endParaRPr lang="en-US" sz="7200" b="1" i="0" kern="1200" cap="all" baseline="0" dirty="0">
+              <a:solidFill>
+                <a:schemeClr val="bg1"/>
+              </a:solidFill>
+              <a:latin typeface="+mj-lt"/>
+              <a:ea typeface="+mj-ea"/>
+              <a:cs typeface="+mj-cs"/>
+            </a:endParaRPr>
           </a:p>
         </p:txBody>
       </p:sp>
       <p:sp>
         <p:nvSpPr>
-          <p:cNvPr id="11" name="Graphic 12">
+          <p:cNvPr id="3" name="Marcador de contenido 2">
             <a:extLst>
               <a:ext uri="{FF2B5EF4-FFF2-40B4-BE49-F238E27FC236}">
-                <a16:creationId xmlns:a16="http://schemas.microsoft.com/office/drawing/2014/main" id="{58BDB0EE-D238-415B-9ED8-62AA6AB2AAD1}"/>
+                <a16:creationId xmlns:a16="http://schemas.microsoft.com/office/drawing/2014/main" id="{84111100-4753-C31F-3ABB-97EB1323BD5B}"/>
+              </a:ext>
+            </a:extLst>
+          </p:cNvPr>
+          <p:cNvSpPr>
+            <a:spLocks noGrp="1"/>
+          </p:cNvSpPr>
+          <p:nvPr>
+            <p:ph idx="1"/>
+          </p:nvPr>
+        </p:nvSpPr>
+        <p:spPr>
+          <a:xfrm>
+            <a:off x="500613" y="5195584"/>
+            <a:ext cx="5977096" cy="990197"/>
+          </a:xfrm>
+        </p:spPr>
+        <p:txBody>
+          <a:bodyPr vert="horz" lIns="91440" tIns="45720" rIns="91440" bIns="45720" rtlCol="0">
+            <a:normAutofit/>
+          </a:bodyPr>
+          <a:lstStyle/>
+          <a:p>
+            <a:pPr marL="0" indent="0" algn="r">
+              <a:buNone/>
+            </a:pPr>
+            <a:r>
+              <a:rPr lang="en-US" sz="2400" b="0" i="0" kern="1200" dirty="0">
+                <a:solidFill>
+                  <a:srgbClr val="002060"/>
+                </a:solidFill>
+                <a:effectLst/>
+                <a:latin typeface="+mn-lt"/>
+                <a:ea typeface="+mn-ea"/>
+                <a:cs typeface="+mn-cs"/>
+                <a:hlinkClick r:id="rId2" tooltip="https://github.com/MissiegoBeats/JaPy">
+                  <a:extLst>
+                    <a:ext uri="{A12FA001-AC4F-418D-AE19-62706E023703}">
+                      <ahyp:hlinkClr xmlns:ahyp="http://schemas.microsoft.com/office/drawing/2018/hyperlinkcolor" val="tx"/>
+                    </a:ext>
+                  </a:extLst>
+                </a:hlinkClick>
+              </a:rPr>
+              <a:t>https://github.com/MissiegoBeats/JaPy</a:t>
+            </a:r>
+            <a:r>
+              <a:rPr lang="en-US" sz="2400" b="0" i="0" kern="1200" dirty="0">
+                <a:solidFill>
+                  <a:srgbClr val="002060"/>
+                </a:solidFill>
+                <a:effectLst/>
+                <a:latin typeface="+mn-lt"/>
+                <a:ea typeface="+mn-ea"/>
+                <a:cs typeface="+mn-cs"/>
+              </a:rPr>
+              <a:t> </a:t>
+            </a:r>
+            <a:endParaRPr lang="en-US" sz="2400" kern="1200" dirty="0">
+              <a:solidFill>
+                <a:srgbClr val="002060"/>
+              </a:solidFill>
+              <a:latin typeface="+mn-lt"/>
+              <a:ea typeface="+mn-ea"/>
+              <a:cs typeface="+mn-cs"/>
+            </a:endParaRPr>
+          </a:p>
+        </p:txBody>
+      </p:sp>
+      <p:pic>
+        <p:nvPicPr>
+          <p:cNvPr id="1026" name="Picture 2">
+            <a:extLst>
+              <a:ext uri="{FF2B5EF4-FFF2-40B4-BE49-F238E27FC236}">
+                <a16:creationId xmlns:a16="http://schemas.microsoft.com/office/drawing/2014/main" id="{604AC89C-082F-03C2-B0D7-5BFA140CEF24}"/>
+              </a:ext>
+            </a:extLst>
+          </p:cNvPr>
+          <p:cNvPicPr>
+            <a:picLocks noChangeAspect="1" noChangeArrowheads="1"/>
+          </p:cNvPicPr>
+          <p:nvPr/>
+        </p:nvPicPr>
+        <p:blipFill>
+          <a:blip r:embed="rId3">
+            <a:alphaModFix/>
+            <a:extLst>
+              <a:ext uri="{28A0092B-C50C-407E-A947-70E740481C1C}">
+                <a14:useLocalDpi xmlns:a14="http://schemas.microsoft.com/office/drawing/2010/main" val="0"/>
+              </a:ext>
+            </a:extLst>
+          </a:blip>
+          <a:stretch>
+            <a:fillRect/>
+          </a:stretch>
+        </p:blipFill>
+        <p:spPr bwMode="auto">
+          <a:xfrm>
+            <a:off x="6148999" y="814998"/>
+            <a:ext cx="6043001" cy="6043001"/>
+          </a:xfrm>
+          <a:prstGeom prst="rect">
+            <a:avLst/>
+          </a:prstGeom>
+          <a:noFill/>
+          <a:extLst>
+            <a:ext uri="{909E8E84-426E-40DD-AFC4-6F175D3DCCD1}">
+              <a14:hiddenFill xmlns:a14="http://schemas.microsoft.com/office/drawing/2010/main">
+                <a:solidFill>
+                  <a:srgbClr val="FFFFFF"/>
+                </a:solidFill>
+              </a14:hiddenFill>
+            </a:ext>
+          </a:extLst>
+        </p:spPr>
+      </p:pic>
+      <p:sp>
+        <p:nvSpPr>
+          <p:cNvPr id="1035" name="Graphic 17">
+            <a:extLst>
+              <a:ext uri="{FF2B5EF4-FFF2-40B4-BE49-F238E27FC236}">
+                <a16:creationId xmlns:a16="http://schemas.microsoft.com/office/drawing/2014/main" id="{B71758F4-3F46-45DA-8AC5-4E508DA080BA}"/>
               </a:ext>
               <a:ext uri="{C183D7F6-B498-43B3-948B-1728B52AA6E4}">
                 <adec:decorative xmlns:adec="http://schemas.microsoft.com/office/drawing/2017/decorative" val="1"/>
@@ -8527,7 +8754,7 @@
         </p:nvSpPr>
         <p:spPr>
           <a:xfrm>
-            <a:off x="11433111" y="696037"/>
+            <a:off x="10957738" y="814999"/>
             <a:ext cx="139039" cy="139039"/>
           </a:xfrm>
           <a:custGeom>
@@ -8715,10 +8942,10 @@
       </p:sp>
       <p:sp>
         <p:nvSpPr>
-          <p:cNvPr id="13" name="Graphic 11">
+          <p:cNvPr id="1037" name="Graphic 15">
             <a:extLst>
               <a:ext uri="{FF2B5EF4-FFF2-40B4-BE49-F238E27FC236}">
-                <a16:creationId xmlns:a16="http://schemas.microsoft.com/office/drawing/2014/main" id="{C5B55FC3-961D-4325-82F1-DE92B0D04E03}"/>
+                <a16:creationId xmlns:a16="http://schemas.microsoft.com/office/drawing/2014/main" id="{8550FED7-7C32-42BB-98DB-30272A6331A9}"/>
               </a:ext>
               <a:ext uri="{C183D7F6-B498-43B3-948B-1728B52AA6E4}">
                 <adec:decorative xmlns:adec="http://schemas.microsoft.com/office/drawing/2017/decorative" val="1"/>
@@ -8738,7 +8965,7 @@
         </p:nvSpPr>
         <p:spPr>
           <a:xfrm>
-            <a:off x="11791891" y="925332"/>
+            <a:off x="11316518" y="1044294"/>
             <a:ext cx="91138" cy="91138"/>
           </a:xfrm>
           <a:custGeom>
@@ -8820,69 +9047,12 @@
           </a:p>
         </p:txBody>
       </p:sp>
-      <p:cxnSp>
-        <p:nvCxnSpPr>
-          <p:cNvPr id="15" name="Straight Connector 14">
+      <p:sp>
+        <p:nvSpPr>
+          <p:cNvPr id="1039" name="Graphic 21">
             <a:extLst>
               <a:ext uri="{FF2B5EF4-FFF2-40B4-BE49-F238E27FC236}">
-                <a16:creationId xmlns:a16="http://schemas.microsoft.com/office/drawing/2014/main" id="{C8F51B3F-8331-4E4A-AE96-D47B1006EEAD}"/>
-              </a:ext>
-              <a:ext uri="{C183D7F6-B498-43B3-948B-1728B52AA6E4}">
-                <adec:decorative xmlns:adec="http://schemas.microsoft.com/office/drawing/2017/decorative" val="1"/>
-              </a:ext>
-            </a:extLst>
-          </p:cNvPr>
-          <p:cNvCxnSpPr>
-            <a:cxnSpLocks noGrp="1" noRot="1" noChangeAspect="1" noMove="1" noResize="1" noEditPoints="1" noAdjustHandles="1" noChangeArrowheads="1" noChangeShapeType="1"/>
-          </p:cNvCxnSpPr>
-          <p:nvPr>
-            <p:extLst>
-              <p:ext uri="{386F3935-93C4-4BCD-93E2-E3B085C9AB24}">
-                <p16:designElem xmlns:p16="http://schemas.microsoft.com/office/powerpoint/2015/main" val="1"/>
-              </p:ext>
-            </p:extLst>
-          </p:nvPr>
-        </p:nvCxnSpPr>
-        <p:spPr>
-          <a:xfrm>
-            <a:off x="4728053" y="1132114"/>
-            <a:ext cx="0" cy="5717573"/>
-          </a:xfrm>
-          <a:prstGeom prst="line">
-            <a:avLst/>
-          </a:prstGeom>
-          <a:ln w="25400" cap="sq">
-            <a:solidFill>
-              <a:schemeClr val="lt1">
-                <a:hueOff val="0"/>
-                <a:satOff val="0"/>
-                <a:lumOff val="0"/>
-              </a:schemeClr>
-            </a:solidFill>
-            <a:bevel/>
-          </a:ln>
-        </p:spPr>
-        <p:style>
-          <a:lnRef idx="1">
-            <a:schemeClr val="accent1"/>
-          </a:lnRef>
-          <a:fillRef idx="0">
-            <a:schemeClr val="accent1"/>
-          </a:fillRef>
-          <a:effectRef idx="0">
-            <a:schemeClr val="accent1"/>
-          </a:effectRef>
-          <a:fontRef idx="minor">
-            <a:schemeClr val="tx1"/>
-          </a:fontRef>
-        </p:style>
-      </p:cxnSp>
-      <p:sp>
-        <p:nvSpPr>
-          <p:cNvPr id="17" name="Graphic 13">
-            <a:extLst>
-              <a:ext uri="{FF2B5EF4-FFF2-40B4-BE49-F238E27FC236}">
-                <a16:creationId xmlns:a16="http://schemas.microsoft.com/office/drawing/2014/main" id="{4C8AB332-D09E-4F28-943C-DABDD4716A3C}"/>
+                <a16:creationId xmlns:a16="http://schemas.microsoft.com/office/drawing/2014/main" id="{8D61482F-F3C5-4D66-8C5D-C6BBE3E1275C}"/>
               </a:ext>
               <a:ext uri="{C183D7F6-B498-43B3-948B-1728B52AA6E4}">
                 <adec:decorative xmlns:adec="http://schemas.microsoft.com/office/drawing/2017/decorative" val="1"/>
@@ -8902,7 +9072,7 @@
         </p:nvSpPr>
         <p:spPr>
           <a:xfrm>
-            <a:off x="11417571" y="1440476"/>
+            <a:off x="10942198" y="1268720"/>
             <a:ext cx="127714" cy="127714"/>
           </a:xfrm>
           <a:custGeom>
@@ -9032,6 +9202,746 @@
           </a:p>
         </p:txBody>
       </p:sp>
+      <p:cxnSp>
+        <p:nvCxnSpPr>
+          <p:cNvPr id="1041" name="Straight Connector 1040">
+            <a:extLst>
+              <a:ext uri="{FF2B5EF4-FFF2-40B4-BE49-F238E27FC236}">
+                <a16:creationId xmlns:a16="http://schemas.microsoft.com/office/drawing/2014/main" id="{56020367-4FD5-4596-8E10-C5F095CD8DBF}"/>
+              </a:ext>
+              <a:ext uri="{C183D7F6-B498-43B3-948B-1728B52AA6E4}">
+                <adec:decorative xmlns:adec="http://schemas.microsoft.com/office/drawing/2017/decorative" val="1"/>
+              </a:ext>
+            </a:extLst>
+          </p:cNvPr>
+          <p:cNvCxnSpPr>
+            <a:cxnSpLocks noGrp="1" noRot="1" noChangeAspect="1" noMove="1" noResize="1" noEditPoints="1" noAdjustHandles="1" noChangeArrowheads="1" noChangeShapeType="1"/>
+          </p:cNvCxnSpPr>
+          <p:nvPr>
+            <p:extLst>
+              <p:ext uri="{386F3935-93C4-4BCD-93E2-E3B085C9AB24}">
+                <p16:designElem xmlns:p16="http://schemas.microsoft.com/office/powerpoint/2015/main" val="1"/>
+              </p:ext>
+            </p:extLst>
+          </p:nvPr>
+        </p:nvCxnSpPr>
+        <p:spPr>
+          <a:xfrm flipH="1">
+            <a:off x="829322" y="6274341"/>
+            <a:ext cx="11353800" cy="0"/>
+          </a:xfrm>
+          <a:prstGeom prst="line">
+            <a:avLst/>
+          </a:prstGeom>
+          <a:ln w="25400" cap="sq">
+            <a:solidFill>
+              <a:schemeClr val="bg1"/>
+            </a:solidFill>
+            <a:bevel/>
+          </a:ln>
+        </p:spPr>
+        <p:style>
+          <a:lnRef idx="1">
+            <a:schemeClr val="accent1"/>
+          </a:lnRef>
+          <a:fillRef idx="0">
+            <a:schemeClr val="accent1"/>
+          </a:fillRef>
+          <a:effectRef idx="0">
+            <a:schemeClr val="accent1"/>
+          </a:effectRef>
+          <a:fontRef idx="minor">
+            <a:schemeClr val="tx1"/>
+          </a:fontRef>
+        </p:style>
+      </p:cxnSp>
+    </p:spTree>
+    <p:extLst>
+      <p:ext uri="{BB962C8B-B14F-4D97-AF65-F5344CB8AC3E}">
+        <p14:creationId xmlns:p14="http://schemas.microsoft.com/office/powerpoint/2010/main" val="71779249"/>
+      </p:ext>
+    </p:extLst>
+  </p:cSld>
+  <p:clrMapOvr>
+    <a:masterClrMapping/>
+  </p:clrMapOvr>
+  <p:transition spd="med">
+    <p:pull/>
+  </p:transition>
+</p:sld>
+</file>
+
+<file path=ppt/slides/slide12.xml><?xml version="1.0" encoding="utf-8"?>
+<p:sld xmlns:a="http://schemas.openxmlformats.org/drawingml/2006/main" xmlns:r="http://schemas.openxmlformats.org/officeDocument/2006/relationships" xmlns:p="http://schemas.openxmlformats.org/presentationml/2006/main">
+  <p:cSld>
+    <p:bg>
+      <p:bgPr>
+        <a:solidFill>
+          <a:schemeClr val="bg1"/>
+        </a:solidFill>
+        <a:effectLst/>
+      </p:bgPr>
+    </p:bg>
+    <p:spTree>
+      <p:nvGrpSpPr>
+        <p:cNvPr id="1" name=""/>
+        <p:cNvGrpSpPr/>
+        <p:nvPr/>
+      </p:nvGrpSpPr>
+      <p:grpSpPr>
+        <a:xfrm>
+          <a:off x="0" y="0"/>
+          <a:ext cx="0" cy="0"/>
+          <a:chOff x="0" y="0"/>
+          <a:chExt cx="0" cy="0"/>
+        </a:xfrm>
+      </p:grpSpPr>
+      <p:sp>
+        <p:nvSpPr>
+          <p:cNvPr id="9" name="Rectangle 8">
+            <a:extLst>
+              <a:ext uri="{FF2B5EF4-FFF2-40B4-BE49-F238E27FC236}">
+                <a16:creationId xmlns:a16="http://schemas.microsoft.com/office/drawing/2014/main" id="{383F4F3A-DF89-453C-A499-8C259F6A2F13}"/>
+              </a:ext>
+              <a:ext uri="{C183D7F6-B498-43B3-948B-1728B52AA6E4}">
+                <adec:decorative xmlns:adec="http://schemas.microsoft.com/office/drawing/2017/decorative" val="1"/>
+              </a:ext>
+            </a:extLst>
+          </p:cNvPr>
+          <p:cNvSpPr>
+            <a:spLocks noGrp="1" noRot="1" noChangeAspect="1" noMove="1" noResize="1" noEditPoints="1" noAdjustHandles="1" noChangeArrowheads="1" noChangeShapeType="1" noTextEdit="1"/>
+          </p:cNvSpPr>
+          <p:nvPr>
+            <p:extLst>
+              <p:ext uri="{386F3935-93C4-4BCD-93E2-E3B085C9AB24}">
+                <p16:designElem xmlns:p16="http://schemas.microsoft.com/office/powerpoint/2015/main" val="1"/>
+              </p:ext>
+            </p:extLst>
+          </p:nvPr>
+        </p:nvSpPr>
+        <p:spPr>
+          <a:xfrm>
+            <a:off x="0" y="0"/>
+            <a:ext cx="12192000" cy="6858000"/>
+          </a:xfrm>
+          <a:prstGeom prst="rect">
+            <a:avLst/>
+          </a:prstGeom>
+          <a:gradFill flip="none" rotWithShape="1">
+            <a:gsLst>
+              <a:gs pos="100000">
+                <a:schemeClr val="accent4"/>
+              </a:gs>
+              <a:gs pos="0">
+                <a:schemeClr val="accent2"/>
+              </a:gs>
+            </a:gsLst>
+            <a:lin ang="2700000" scaled="1"/>
+            <a:tileRect/>
+          </a:gradFill>
+          <a:ln>
+            <a:noFill/>
+          </a:ln>
+        </p:spPr>
+        <p:style>
+          <a:lnRef idx="2">
+            <a:schemeClr val="accent1">
+              <a:shade val="50000"/>
+            </a:schemeClr>
+          </a:lnRef>
+          <a:fillRef idx="1">
+            <a:schemeClr val="accent1"/>
+          </a:fillRef>
+          <a:effectRef idx="0">
+            <a:schemeClr val="accent1"/>
+          </a:effectRef>
+          <a:fontRef idx="minor">
+            <a:schemeClr val="lt1"/>
+          </a:fontRef>
+        </p:style>
+        <p:txBody>
+          <a:bodyPr rtlCol="0" anchor="ctr"/>
+          <a:lstStyle/>
+          <a:p>
+            <a:pPr algn="ctr"/>
+            <a:endParaRPr lang="en-US">
+              <a:solidFill>
+                <a:schemeClr val="bg1"/>
+              </a:solidFill>
+            </a:endParaRPr>
+          </a:p>
+        </p:txBody>
+      </p:sp>
+      <p:sp>
+        <p:nvSpPr>
+          <p:cNvPr id="2" name="Título 1">
+            <a:extLst>
+              <a:ext uri="{FF2B5EF4-FFF2-40B4-BE49-F238E27FC236}">
+                <a16:creationId xmlns:a16="http://schemas.microsoft.com/office/drawing/2014/main" id="{44E7147B-CD37-C334-1BE4-5902F16F01CF}"/>
+              </a:ext>
+            </a:extLst>
+          </p:cNvPr>
+          <p:cNvSpPr>
+            <a:spLocks noGrp="1"/>
+          </p:cNvSpPr>
+          <p:nvPr>
+            <p:ph type="title"/>
+          </p:nvPr>
+        </p:nvSpPr>
+        <p:spPr>
+          <a:xfrm>
+            <a:off x="479394" y="1062487"/>
+            <a:ext cx="3939688" cy="5583126"/>
+          </a:xfrm>
+        </p:spPr>
+        <p:txBody>
+          <a:bodyPr>
+            <a:normAutofit/>
+          </a:bodyPr>
+          <a:lstStyle/>
+          <a:p>
+            <a:pPr algn="r"/>
+            <a:r>
+              <a:rPr lang="es-ES" sz="5600">
+                <a:solidFill>
+                  <a:schemeClr val="bg1"/>
+                </a:solidFill>
+              </a:rPr>
+              <a:t>Conclusión</a:t>
+            </a:r>
+          </a:p>
+        </p:txBody>
+      </p:sp>
+      <p:sp>
+        <p:nvSpPr>
+          <p:cNvPr id="11" name="Graphic 12">
+            <a:extLst>
+              <a:ext uri="{FF2B5EF4-FFF2-40B4-BE49-F238E27FC236}">
+                <a16:creationId xmlns:a16="http://schemas.microsoft.com/office/drawing/2014/main" id="{58BDB0EE-D238-415B-9ED8-62AA6AB2AAD1}"/>
+              </a:ext>
+              <a:ext uri="{C183D7F6-B498-43B3-948B-1728B52AA6E4}">
+                <adec:decorative xmlns:adec="http://schemas.microsoft.com/office/drawing/2017/decorative" val="1"/>
+              </a:ext>
+            </a:extLst>
+          </p:cNvPr>
+          <p:cNvSpPr>
+            <a:spLocks noGrp="1" noRot="1" noChangeAspect="1" noMove="1" noResize="1" noEditPoints="1" noAdjustHandles="1" noChangeArrowheads="1" noChangeShapeType="1" noTextEdit="1"/>
+          </p:cNvSpPr>
+          <p:nvPr>
+            <p:extLst>
+              <p:ext uri="{386F3935-93C4-4BCD-93E2-E3B085C9AB24}">
+                <p16:designElem xmlns:p16="http://schemas.microsoft.com/office/powerpoint/2015/main" val="1"/>
+              </p:ext>
+            </p:extLst>
+          </p:nvPr>
+        </p:nvSpPr>
+        <p:spPr>
+          <a:xfrm>
+            <a:off x="11433111" y="696037"/>
+            <a:ext cx="139039" cy="139039"/>
+          </a:xfrm>
+          <a:custGeom>
+            <a:avLst/>
+            <a:gdLst>
+              <a:gd name="connsiteX0" fmla="*/ 129602 w 139039"/>
+              <a:gd name="connsiteY0" fmla="*/ 60082 h 139039"/>
+              <a:gd name="connsiteX1" fmla="*/ 78957 w 139039"/>
+              <a:gd name="connsiteY1" fmla="*/ 60082 h 139039"/>
+              <a:gd name="connsiteX2" fmla="*/ 78957 w 139039"/>
+              <a:gd name="connsiteY2" fmla="*/ 9437 h 139039"/>
+              <a:gd name="connsiteX3" fmla="*/ 69520 w 139039"/>
+              <a:gd name="connsiteY3" fmla="*/ 0 h 139039"/>
+              <a:gd name="connsiteX4" fmla="*/ 60082 w 139039"/>
+              <a:gd name="connsiteY4" fmla="*/ 9437 h 139039"/>
+              <a:gd name="connsiteX5" fmla="*/ 60082 w 139039"/>
+              <a:gd name="connsiteY5" fmla="*/ 60082 h 139039"/>
+              <a:gd name="connsiteX6" fmla="*/ 9437 w 139039"/>
+              <a:gd name="connsiteY6" fmla="*/ 60082 h 139039"/>
+              <a:gd name="connsiteX7" fmla="*/ 0 w 139039"/>
+              <a:gd name="connsiteY7" fmla="*/ 69520 h 139039"/>
+              <a:gd name="connsiteX8" fmla="*/ 9437 w 139039"/>
+              <a:gd name="connsiteY8" fmla="*/ 78957 h 139039"/>
+              <a:gd name="connsiteX9" fmla="*/ 60082 w 139039"/>
+              <a:gd name="connsiteY9" fmla="*/ 78957 h 139039"/>
+              <a:gd name="connsiteX10" fmla="*/ 60082 w 139039"/>
+              <a:gd name="connsiteY10" fmla="*/ 129602 h 139039"/>
+              <a:gd name="connsiteX11" fmla="*/ 69520 w 139039"/>
+              <a:gd name="connsiteY11" fmla="*/ 139039 h 139039"/>
+              <a:gd name="connsiteX12" fmla="*/ 78957 w 139039"/>
+              <a:gd name="connsiteY12" fmla="*/ 129602 h 139039"/>
+              <a:gd name="connsiteX13" fmla="*/ 78957 w 139039"/>
+              <a:gd name="connsiteY13" fmla="*/ 78957 h 139039"/>
+              <a:gd name="connsiteX14" fmla="*/ 129602 w 139039"/>
+              <a:gd name="connsiteY14" fmla="*/ 78957 h 139039"/>
+              <a:gd name="connsiteX15" fmla="*/ 139039 w 139039"/>
+              <a:gd name="connsiteY15" fmla="*/ 69520 h 139039"/>
+              <a:gd name="connsiteX16" fmla="*/ 129602 w 139039"/>
+              <a:gd name="connsiteY16" fmla="*/ 60082 h 139039"/>
+            </a:gdLst>
+            <a:ahLst/>
+            <a:cxnLst>
+              <a:cxn ang="0">
+                <a:pos x="connsiteX0" y="connsiteY0"/>
+              </a:cxn>
+              <a:cxn ang="0">
+                <a:pos x="connsiteX1" y="connsiteY1"/>
+              </a:cxn>
+              <a:cxn ang="0">
+                <a:pos x="connsiteX2" y="connsiteY2"/>
+              </a:cxn>
+              <a:cxn ang="0">
+                <a:pos x="connsiteX3" y="connsiteY3"/>
+              </a:cxn>
+              <a:cxn ang="0">
+                <a:pos x="connsiteX4" y="connsiteY4"/>
+              </a:cxn>
+              <a:cxn ang="0">
+                <a:pos x="connsiteX5" y="connsiteY5"/>
+              </a:cxn>
+              <a:cxn ang="0">
+                <a:pos x="connsiteX6" y="connsiteY6"/>
+              </a:cxn>
+              <a:cxn ang="0">
+                <a:pos x="connsiteX7" y="connsiteY7"/>
+              </a:cxn>
+              <a:cxn ang="0">
+                <a:pos x="connsiteX8" y="connsiteY8"/>
+              </a:cxn>
+              <a:cxn ang="0">
+                <a:pos x="connsiteX9" y="connsiteY9"/>
+              </a:cxn>
+              <a:cxn ang="0">
+                <a:pos x="connsiteX10" y="connsiteY10"/>
+              </a:cxn>
+              <a:cxn ang="0">
+                <a:pos x="connsiteX11" y="connsiteY11"/>
+              </a:cxn>
+              <a:cxn ang="0">
+                <a:pos x="connsiteX12" y="connsiteY12"/>
+              </a:cxn>
+              <a:cxn ang="0">
+                <a:pos x="connsiteX13" y="connsiteY13"/>
+              </a:cxn>
+              <a:cxn ang="0">
+                <a:pos x="connsiteX14" y="connsiteY14"/>
+              </a:cxn>
+              <a:cxn ang="0">
+                <a:pos x="connsiteX15" y="connsiteY15"/>
+              </a:cxn>
+              <a:cxn ang="0">
+                <a:pos x="connsiteX16" y="connsiteY16"/>
+              </a:cxn>
+            </a:cxnLst>
+            <a:rect l="l" t="t" r="r" b="b"/>
+            <a:pathLst>
+              <a:path w="139039" h="139039">
+                <a:moveTo>
+                  <a:pt x="129602" y="60082"/>
+                </a:moveTo>
+                <a:lnTo>
+                  <a:pt x="78957" y="60082"/>
+                </a:lnTo>
+                <a:lnTo>
+                  <a:pt x="78957" y="9437"/>
+                </a:lnTo>
+                <a:cubicBezTo>
+                  <a:pt x="78957" y="4225"/>
+                  <a:pt x="74731" y="0"/>
+                  <a:pt x="69520" y="0"/>
+                </a:cubicBezTo>
+                <a:cubicBezTo>
+                  <a:pt x="64308" y="0"/>
+                  <a:pt x="60082" y="4225"/>
+                  <a:pt x="60082" y="9437"/>
+                </a:cubicBezTo>
+                <a:lnTo>
+                  <a:pt x="60082" y="60082"/>
+                </a:lnTo>
+                <a:lnTo>
+                  <a:pt x="9437" y="60082"/>
+                </a:lnTo>
+                <a:cubicBezTo>
+                  <a:pt x="4225" y="60082"/>
+                  <a:pt x="0" y="64308"/>
+                  <a:pt x="0" y="69520"/>
+                </a:cubicBezTo>
+                <a:cubicBezTo>
+                  <a:pt x="0" y="74731"/>
+                  <a:pt x="4225" y="78957"/>
+                  <a:pt x="9437" y="78957"/>
+                </a:cubicBezTo>
+                <a:lnTo>
+                  <a:pt x="60082" y="78957"/>
+                </a:lnTo>
+                <a:lnTo>
+                  <a:pt x="60082" y="129602"/>
+                </a:lnTo>
+                <a:cubicBezTo>
+                  <a:pt x="60082" y="134814"/>
+                  <a:pt x="64308" y="139039"/>
+                  <a:pt x="69520" y="139039"/>
+                </a:cubicBezTo>
+                <a:cubicBezTo>
+                  <a:pt x="74731" y="139039"/>
+                  <a:pt x="78957" y="134814"/>
+                  <a:pt x="78957" y="129602"/>
+                </a:cubicBezTo>
+                <a:lnTo>
+                  <a:pt x="78957" y="78957"/>
+                </a:lnTo>
+                <a:lnTo>
+                  <a:pt x="129602" y="78957"/>
+                </a:lnTo>
+                <a:cubicBezTo>
+                  <a:pt x="134814" y="78957"/>
+                  <a:pt x="139039" y="74731"/>
+                  <a:pt x="139039" y="69520"/>
+                </a:cubicBezTo>
+                <a:cubicBezTo>
+                  <a:pt x="139039" y="64308"/>
+                  <a:pt x="134814" y="60082"/>
+                  <a:pt x="129602" y="60082"/>
+                </a:cubicBezTo>
+                <a:close/>
+              </a:path>
+            </a:pathLst>
+          </a:custGeom>
+          <a:solidFill>
+            <a:schemeClr val="bg1"/>
+          </a:solidFill>
+          <a:ln w="603" cap="flat">
+            <a:noFill/>
+            <a:prstDash val="solid"/>
+            <a:miter/>
+          </a:ln>
+        </p:spPr>
+        <p:txBody>
+          <a:bodyPr rtlCol="0" anchor="ctr"/>
+          <a:lstStyle/>
+          <a:p>
+            <a:endParaRPr lang="en-US"/>
+          </a:p>
+        </p:txBody>
+      </p:sp>
+      <p:sp>
+        <p:nvSpPr>
+          <p:cNvPr id="13" name="Graphic 11">
+            <a:extLst>
+              <a:ext uri="{FF2B5EF4-FFF2-40B4-BE49-F238E27FC236}">
+                <a16:creationId xmlns:a16="http://schemas.microsoft.com/office/drawing/2014/main" id="{C5B55FC3-961D-4325-82F1-DE92B0D04E03}"/>
+              </a:ext>
+              <a:ext uri="{C183D7F6-B498-43B3-948B-1728B52AA6E4}">
+                <adec:decorative xmlns:adec="http://schemas.microsoft.com/office/drawing/2017/decorative" val="1"/>
+              </a:ext>
+            </a:extLst>
+          </p:cNvPr>
+          <p:cNvSpPr>
+            <a:spLocks noGrp="1" noRot="1" noChangeAspect="1" noMove="1" noResize="1" noEditPoints="1" noAdjustHandles="1" noChangeArrowheads="1" noChangeShapeType="1" noTextEdit="1"/>
+          </p:cNvSpPr>
+          <p:nvPr>
+            <p:extLst>
+              <p:ext uri="{386F3935-93C4-4BCD-93E2-E3B085C9AB24}">
+                <p16:designElem xmlns:p16="http://schemas.microsoft.com/office/powerpoint/2015/main" val="1"/>
+              </p:ext>
+            </p:extLst>
+          </p:nvPr>
+        </p:nvSpPr>
+        <p:spPr>
+          <a:xfrm>
+            <a:off x="11791891" y="925332"/>
+            <a:ext cx="91138" cy="91138"/>
+          </a:xfrm>
+          <a:custGeom>
+            <a:avLst/>
+            <a:gdLst>
+              <a:gd name="connsiteX0" fmla="*/ 91138 w 91138"/>
+              <a:gd name="connsiteY0" fmla="*/ 45569 h 91138"/>
+              <a:gd name="connsiteX1" fmla="*/ 45569 w 91138"/>
+              <a:gd name="connsiteY1" fmla="*/ 91138 h 91138"/>
+              <a:gd name="connsiteX2" fmla="*/ 0 w 91138"/>
+              <a:gd name="connsiteY2" fmla="*/ 45569 h 91138"/>
+              <a:gd name="connsiteX3" fmla="*/ 45569 w 91138"/>
+              <a:gd name="connsiteY3" fmla="*/ 0 h 91138"/>
+              <a:gd name="connsiteX4" fmla="*/ 91138 w 91138"/>
+              <a:gd name="connsiteY4" fmla="*/ 45569 h 91138"/>
+            </a:gdLst>
+            <a:ahLst/>
+            <a:cxnLst>
+              <a:cxn ang="0">
+                <a:pos x="connsiteX0" y="connsiteY0"/>
+              </a:cxn>
+              <a:cxn ang="0">
+                <a:pos x="connsiteX1" y="connsiteY1"/>
+              </a:cxn>
+              <a:cxn ang="0">
+                <a:pos x="connsiteX2" y="connsiteY2"/>
+              </a:cxn>
+              <a:cxn ang="0">
+                <a:pos x="connsiteX3" y="connsiteY3"/>
+              </a:cxn>
+              <a:cxn ang="0">
+                <a:pos x="connsiteX4" y="connsiteY4"/>
+              </a:cxn>
+            </a:cxnLst>
+            <a:rect l="l" t="t" r="r" b="b"/>
+            <a:pathLst>
+              <a:path w="91138" h="91138">
+                <a:moveTo>
+                  <a:pt x="91138" y="45569"/>
+                </a:moveTo>
+                <a:cubicBezTo>
+                  <a:pt x="91138" y="70736"/>
+                  <a:pt x="70736" y="91138"/>
+                  <a:pt x="45569" y="91138"/>
+                </a:cubicBezTo>
+                <a:cubicBezTo>
+                  <a:pt x="20402" y="91138"/>
+                  <a:pt x="0" y="70736"/>
+                  <a:pt x="0" y="45569"/>
+                </a:cubicBezTo>
+                <a:cubicBezTo>
+                  <a:pt x="0" y="20402"/>
+                  <a:pt x="20402" y="0"/>
+                  <a:pt x="45569" y="0"/>
+                </a:cubicBezTo>
+                <a:cubicBezTo>
+                  <a:pt x="70736" y="0"/>
+                  <a:pt x="91138" y="20402"/>
+                  <a:pt x="91138" y="45569"/>
+                </a:cubicBezTo>
+                <a:close/>
+              </a:path>
+            </a:pathLst>
+          </a:custGeom>
+          <a:solidFill>
+            <a:schemeClr val="bg1"/>
+          </a:solidFill>
+          <a:ln w="422" cap="flat">
+            <a:noFill/>
+            <a:prstDash val="solid"/>
+            <a:miter/>
+          </a:ln>
+        </p:spPr>
+        <p:txBody>
+          <a:bodyPr rtlCol="0" anchor="ctr"/>
+          <a:lstStyle/>
+          <a:p>
+            <a:endParaRPr lang="en-US"/>
+          </a:p>
+        </p:txBody>
+      </p:sp>
+      <p:cxnSp>
+        <p:nvCxnSpPr>
+          <p:cNvPr id="15" name="Straight Connector 14">
+            <a:extLst>
+              <a:ext uri="{FF2B5EF4-FFF2-40B4-BE49-F238E27FC236}">
+                <a16:creationId xmlns:a16="http://schemas.microsoft.com/office/drawing/2014/main" id="{C8F51B3F-8331-4E4A-AE96-D47B1006EEAD}"/>
+              </a:ext>
+              <a:ext uri="{C183D7F6-B498-43B3-948B-1728B52AA6E4}">
+                <adec:decorative xmlns:adec="http://schemas.microsoft.com/office/drawing/2017/decorative" val="1"/>
+              </a:ext>
+            </a:extLst>
+          </p:cNvPr>
+          <p:cNvCxnSpPr>
+            <a:cxnSpLocks noGrp="1" noRot="1" noChangeAspect="1" noMove="1" noResize="1" noEditPoints="1" noAdjustHandles="1" noChangeArrowheads="1" noChangeShapeType="1"/>
+          </p:cNvCxnSpPr>
+          <p:nvPr>
+            <p:extLst>
+              <p:ext uri="{386F3935-93C4-4BCD-93E2-E3B085C9AB24}">
+                <p16:designElem xmlns:p16="http://schemas.microsoft.com/office/powerpoint/2015/main" val="1"/>
+              </p:ext>
+            </p:extLst>
+          </p:nvPr>
+        </p:nvCxnSpPr>
+        <p:spPr>
+          <a:xfrm>
+            <a:off x="4728053" y="1132114"/>
+            <a:ext cx="0" cy="5717573"/>
+          </a:xfrm>
+          <a:prstGeom prst="line">
+            <a:avLst/>
+          </a:prstGeom>
+          <a:ln w="25400" cap="sq">
+            <a:solidFill>
+              <a:schemeClr val="lt1">
+                <a:hueOff val="0"/>
+                <a:satOff val="0"/>
+                <a:lumOff val="0"/>
+              </a:schemeClr>
+            </a:solidFill>
+            <a:bevel/>
+          </a:ln>
+        </p:spPr>
+        <p:style>
+          <a:lnRef idx="1">
+            <a:schemeClr val="accent1"/>
+          </a:lnRef>
+          <a:fillRef idx="0">
+            <a:schemeClr val="accent1"/>
+          </a:fillRef>
+          <a:effectRef idx="0">
+            <a:schemeClr val="accent1"/>
+          </a:effectRef>
+          <a:fontRef idx="minor">
+            <a:schemeClr val="tx1"/>
+          </a:fontRef>
+        </p:style>
+      </p:cxnSp>
+      <p:sp>
+        <p:nvSpPr>
+          <p:cNvPr id="17" name="Graphic 13">
+            <a:extLst>
+              <a:ext uri="{FF2B5EF4-FFF2-40B4-BE49-F238E27FC236}">
+                <a16:creationId xmlns:a16="http://schemas.microsoft.com/office/drawing/2014/main" id="{4C8AB332-D09E-4F28-943C-DABDD4716A3C}"/>
+              </a:ext>
+              <a:ext uri="{C183D7F6-B498-43B3-948B-1728B52AA6E4}">
+                <adec:decorative xmlns:adec="http://schemas.microsoft.com/office/drawing/2017/decorative" val="1"/>
+              </a:ext>
+            </a:extLst>
+          </p:cNvPr>
+          <p:cNvSpPr>
+            <a:spLocks noGrp="1" noRot="1" noChangeAspect="1" noMove="1" noResize="1" noEditPoints="1" noAdjustHandles="1" noChangeArrowheads="1" noChangeShapeType="1" noTextEdit="1"/>
+          </p:cNvSpPr>
+          <p:nvPr>
+            <p:extLst>
+              <p:ext uri="{386F3935-93C4-4BCD-93E2-E3B085C9AB24}">
+                <p16:designElem xmlns:p16="http://schemas.microsoft.com/office/powerpoint/2015/main" val="1"/>
+              </p:ext>
+            </p:extLst>
+          </p:nvPr>
+        </p:nvSpPr>
+        <p:spPr>
+          <a:xfrm>
+            <a:off x="11417571" y="1440476"/>
+            <a:ext cx="127714" cy="127714"/>
+          </a:xfrm>
+          <a:custGeom>
+            <a:avLst/>
+            <a:gdLst>
+              <a:gd name="connsiteX0" fmla="*/ 63857 w 127714"/>
+              <a:gd name="connsiteY0" fmla="*/ 18874 h 127714"/>
+              <a:gd name="connsiteX1" fmla="*/ 108840 w 127714"/>
+              <a:gd name="connsiteY1" fmla="*/ 63857 h 127714"/>
+              <a:gd name="connsiteX2" fmla="*/ 63857 w 127714"/>
+              <a:gd name="connsiteY2" fmla="*/ 108840 h 127714"/>
+              <a:gd name="connsiteX3" fmla="*/ 18874 w 127714"/>
+              <a:gd name="connsiteY3" fmla="*/ 63857 h 127714"/>
+              <a:gd name="connsiteX4" fmla="*/ 63857 w 127714"/>
+              <a:gd name="connsiteY4" fmla="*/ 18874 h 127714"/>
+              <a:gd name="connsiteX5" fmla="*/ 63857 w 127714"/>
+              <a:gd name="connsiteY5" fmla="*/ 0 h 127714"/>
+              <a:gd name="connsiteX6" fmla="*/ 0 w 127714"/>
+              <a:gd name="connsiteY6" fmla="*/ 63857 h 127714"/>
+              <a:gd name="connsiteX7" fmla="*/ 63857 w 127714"/>
+              <a:gd name="connsiteY7" fmla="*/ 127714 h 127714"/>
+              <a:gd name="connsiteX8" fmla="*/ 127714 w 127714"/>
+              <a:gd name="connsiteY8" fmla="*/ 63857 h 127714"/>
+              <a:gd name="connsiteX9" fmla="*/ 63857 w 127714"/>
+              <a:gd name="connsiteY9" fmla="*/ 0 h 127714"/>
+            </a:gdLst>
+            <a:ahLst/>
+            <a:cxnLst>
+              <a:cxn ang="0">
+                <a:pos x="connsiteX0" y="connsiteY0"/>
+              </a:cxn>
+              <a:cxn ang="0">
+                <a:pos x="connsiteX1" y="connsiteY1"/>
+              </a:cxn>
+              <a:cxn ang="0">
+                <a:pos x="connsiteX2" y="connsiteY2"/>
+              </a:cxn>
+              <a:cxn ang="0">
+                <a:pos x="connsiteX3" y="connsiteY3"/>
+              </a:cxn>
+              <a:cxn ang="0">
+                <a:pos x="connsiteX4" y="connsiteY4"/>
+              </a:cxn>
+              <a:cxn ang="0">
+                <a:pos x="connsiteX5" y="connsiteY5"/>
+              </a:cxn>
+              <a:cxn ang="0">
+                <a:pos x="connsiteX6" y="connsiteY6"/>
+              </a:cxn>
+              <a:cxn ang="0">
+                <a:pos x="connsiteX7" y="connsiteY7"/>
+              </a:cxn>
+              <a:cxn ang="0">
+                <a:pos x="connsiteX8" y="connsiteY8"/>
+              </a:cxn>
+              <a:cxn ang="0">
+                <a:pos x="connsiteX9" y="connsiteY9"/>
+              </a:cxn>
+            </a:cxnLst>
+            <a:rect l="l" t="t" r="r" b="b"/>
+            <a:pathLst>
+              <a:path w="127714" h="127714">
+                <a:moveTo>
+                  <a:pt x="63857" y="18874"/>
+                </a:moveTo>
+                <a:cubicBezTo>
+                  <a:pt x="88700" y="18874"/>
+                  <a:pt x="108840" y="39014"/>
+                  <a:pt x="108840" y="63857"/>
+                </a:cubicBezTo>
+                <a:cubicBezTo>
+                  <a:pt x="108840" y="88700"/>
+                  <a:pt x="88700" y="108840"/>
+                  <a:pt x="63857" y="108840"/>
+                </a:cubicBezTo>
+                <a:cubicBezTo>
+                  <a:pt x="39014" y="108840"/>
+                  <a:pt x="18874" y="88700"/>
+                  <a:pt x="18874" y="63857"/>
+                </a:cubicBezTo>
+                <a:cubicBezTo>
+                  <a:pt x="18898" y="39024"/>
+                  <a:pt x="39024" y="18898"/>
+                  <a:pt x="63857" y="18874"/>
+                </a:cubicBezTo>
+                <a:moveTo>
+                  <a:pt x="63857" y="0"/>
+                </a:moveTo>
+                <a:cubicBezTo>
+                  <a:pt x="28590" y="0"/>
+                  <a:pt x="0" y="28590"/>
+                  <a:pt x="0" y="63857"/>
+                </a:cubicBezTo>
+                <a:cubicBezTo>
+                  <a:pt x="0" y="99124"/>
+                  <a:pt x="28590" y="127714"/>
+                  <a:pt x="63857" y="127714"/>
+                </a:cubicBezTo>
+                <a:cubicBezTo>
+                  <a:pt x="99124" y="127714"/>
+                  <a:pt x="127714" y="99124"/>
+                  <a:pt x="127714" y="63857"/>
+                </a:cubicBezTo>
+                <a:cubicBezTo>
+                  <a:pt x="127714" y="28590"/>
+                  <a:pt x="99124" y="0"/>
+                  <a:pt x="63857" y="0"/>
+                </a:cubicBezTo>
+                <a:close/>
+              </a:path>
+            </a:pathLst>
+          </a:custGeom>
+          <a:solidFill>
+            <a:schemeClr val="bg1"/>
+          </a:solidFill>
+          <a:ln w="610" cap="flat">
+            <a:noFill/>
+            <a:prstDash val="solid"/>
+            <a:miter/>
+          </a:ln>
+        </p:spPr>
+        <p:txBody>
+          <a:bodyPr rtlCol="0" anchor="ctr"/>
+          <a:lstStyle/>
+          <a:p>
+            <a:endParaRPr lang="en-US"/>
+          </a:p>
+        </p:txBody>
+      </p:sp>
       <p:graphicFrame>
         <p:nvGraphicFramePr>
           <p:cNvPr id="5" name="Marcador de contenido 2">
@@ -9073,6 +9983,809 @@
   <p:clrMapOvr>
     <a:masterClrMapping/>
   </p:clrMapOvr>
+  <p:transition spd="med">
+    <p:pull/>
+  </p:transition>
+</p:sld>
+</file>
+
+<file path=ppt/slides/slide13.xml><?xml version="1.0" encoding="utf-8"?>
+<p:sld xmlns:a="http://schemas.openxmlformats.org/drawingml/2006/main" xmlns:r="http://schemas.openxmlformats.org/officeDocument/2006/relationships" xmlns:p="http://schemas.openxmlformats.org/presentationml/2006/main">
+  <p:cSld>
+    <p:bg>
+      <p:bgPr>
+        <a:solidFill>
+          <a:schemeClr val="bg1"/>
+        </a:solidFill>
+        <a:effectLst/>
+      </p:bgPr>
+    </p:bg>
+    <p:spTree>
+      <p:nvGrpSpPr>
+        <p:cNvPr id="1" name=""/>
+        <p:cNvGrpSpPr/>
+        <p:nvPr/>
+      </p:nvGrpSpPr>
+      <p:grpSpPr>
+        <a:xfrm>
+          <a:off x="0" y="0"/>
+          <a:ext cx="0" cy="0"/>
+          <a:chOff x="0" y="0"/>
+          <a:chExt cx="0" cy="0"/>
+        </a:xfrm>
+      </p:grpSpPr>
+      <p:cxnSp>
+        <p:nvCxnSpPr>
+          <p:cNvPr id="9" name="Straight Connector 8">
+            <a:extLst>
+              <a:ext uri="{FF2B5EF4-FFF2-40B4-BE49-F238E27FC236}">
+                <a16:creationId xmlns:a16="http://schemas.microsoft.com/office/drawing/2014/main" id="{D1B787A8-0D67-4B7E-9B48-86BD906AB6B5}"/>
+              </a:ext>
+              <a:ext uri="{C183D7F6-B498-43B3-948B-1728B52AA6E4}">
+                <adec:decorative xmlns:adec="http://schemas.microsoft.com/office/drawing/2017/decorative" val="1"/>
+              </a:ext>
+            </a:extLst>
+          </p:cNvPr>
+          <p:cNvCxnSpPr>
+            <a:cxnSpLocks noGrp="1" noRot="1" noChangeAspect="1" noMove="1" noResize="1" noEditPoints="1" noAdjustHandles="1" noChangeArrowheads="1" noChangeShapeType="1"/>
+          </p:cNvCxnSpPr>
+          <p:nvPr>
+            <p:extLst>
+              <p:ext uri="{386F3935-93C4-4BCD-93E2-E3B085C9AB24}">
+                <p16:designElem xmlns:p16="http://schemas.microsoft.com/office/powerpoint/2015/main" val="1"/>
+              </p:ext>
+            </p:extLst>
+          </p:nvPr>
+        </p:nvCxnSpPr>
+        <p:spPr>
+          <a:xfrm>
+            <a:off x="715890" y="1114050"/>
+            <a:ext cx="0" cy="5735637"/>
+          </a:xfrm>
+          <a:prstGeom prst="line">
+            <a:avLst/>
+          </a:prstGeom>
+          <a:ln w="25400" cap="sq">
+            <a:gradFill flip="none" rotWithShape="1">
+              <a:gsLst>
+                <a:gs pos="0">
+                  <a:schemeClr val="accent2"/>
+                </a:gs>
+                <a:gs pos="100000">
+                  <a:schemeClr val="accent4"/>
+                </a:gs>
+              </a:gsLst>
+              <a:lin ang="16200000" scaled="1"/>
+              <a:tileRect/>
+            </a:gradFill>
+            <a:bevel/>
+          </a:ln>
+        </p:spPr>
+        <p:style>
+          <a:lnRef idx="1">
+            <a:schemeClr val="accent1"/>
+          </a:lnRef>
+          <a:fillRef idx="0">
+            <a:schemeClr val="accent1"/>
+          </a:fillRef>
+          <a:effectRef idx="0">
+            <a:schemeClr val="accent1"/>
+          </a:effectRef>
+          <a:fontRef idx="minor">
+            <a:schemeClr val="tx1"/>
+          </a:fontRef>
+        </p:style>
+      </p:cxnSp>
+      <p:sp>
+        <p:nvSpPr>
+          <p:cNvPr id="11" name="Rectangle 10">
+            <a:extLst>
+              <a:ext uri="{FF2B5EF4-FFF2-40B4-BE49-F238E27FC236}">
+                <a16:creationId xmlns:a16="http://schemas.microsoft.com/office/drawing/2014/main" id="{158B3569-73B2-4D05-8E95-886A6EE17F1F}"/>
+              </a:ext>
+              <a:ext uri="{C183D7F6-B498-43B3-948B-1728B52AA6E4}">
+                <adec:decorative xmlns:adec="http://schemas.microsoft.com/office/drawing/2017/decorative" val="1"/>
+              </a:ext>
+            </a:extLst>
+          </p:cNvPr>
+          <p:cNvSpPr>
+            <a:spLocks noGrp="1" noRot="1" noChangeAspect="1" noMove="1" noResize="1" noEditPoints="1" noAdjustHandles="1" noChangeArrowheads="1" noChangeShapeType="1" noTextEdit="1"/>
+          </p:cNvSpPr>
+          <p:nvPr>
+            <p:extLst>
+              <p:ext uri="{386F3935-93C4-4BCD-93E2-E3B085C9AB24}">
+                <p16:designElem xmlns:p16="http://schemas.microsoft.com/office/powerpoint/2015/main" val="1"/>
+              </p:ext>
+            </p:extLst>
+          </p:nvPr>
+        </p:nvSpPr>
+        <p:spPr>
+          <a:xfrm>
+            <a:off x="0" y="0"/>
+            <a:ext cx="12192000" cy="6858000"/>
+          </a:xfrm>
+          <a:prstGeom prst="rect">
+            <a:avLst/>
+          </a:prstGeom>
+          <a:gradFill flip="none" rotWithShape="1">
+            <a:gsLst>
+              <a:gs pos="100000">
+                <a:schemeClr val="accent4"/>
+              </a:gs>
+              <a:gs pos="0">
+                <a:schemeClr val="accent2"/>
+              </a:gs>
+            </a:gsLst>
+            <a:lin ang="2700000" scaled="1"/>
+            <a:tileRect/>
+          </a:gradFill>
+          <a:ln>
+            <a:noFill/>
+          </a:ln>
+        </p:spPr>
+        <p:style>
+          <a:lnRef idx="2">
+            <a:schemeClr val="accent1">
+              <a:shade val="50000"/>
+            </a:schemeClr>
+          </a:lnRef>
+          <a:fillRef idx="1">
+            <a:schemeClr val="accent1"/>
+          </a:fillRef>
+          <a:effectRef idx="0">
+            <a:schemeClr val="accent1"/>
+          </a:effectRef>
+          <a:fontRef idx="minor">
+            <a:schemeClr val="lt1"/>
+          </a:fontRef>
+        </p:style>
+        <p:txBody>
+          <a:bodyPr rtlCol="0" anchor="ctr"/>
+          <a:lstStyle/>
+          <a:p>
+            <a:pPr algn="ctr"/>
+            <a:endParaRPr lang="en-US"/>
+          </a:p>
+        </p:txBody>
+      </p:sp>
+      <p:sp>
+        <p:nvSpPr>
+          <p:cNvPr id="2" name="Título 1">
+            <a:extLst>
+              <a:ext uri="{FF2B5EF4-FFF2-40B4-BE49-F238E27FC236}">
+                <a16:creationId xmlns:a16="http://schemas.microsoft.com/office/drawing/2014/main" id="{4C04D120-CF51-008C-53FB-DF212AE626C4}"/>
+              </a:ext>
+            </a:extLst>
+          </p:cNvPr>
+          <p:cNvSpPr>
+            <a:spLocks noGrp="1"/>
+          </p:cNvSpPr>
+          <p:nvPr>
+            <p:ph type="title"/>
+          </p:nvPr>
+        </p:nvSpPr>
+        <p:spPr>
+          <a:xfrm>
+            <a:off x="793159" y="1377146"/>
+            <a:ext cx="4076460" cy="3626217"/>
+          </a:xfrm>
+        </p:spPr>
+        <p:txBody>
+          <a:bodyPr vert="horz" lIns="91440" tIns="45720" rIns="91440" bIns="45720" rtlCol="0" anchor="b">
+            <a:normAutofit/>
+          </a:bodyPr>
+          <a:lstStyle/>
+          <a:p>
+            <a:pPr algn="r"/>
+            <a:r>
+              <a:rPr lang="en-US" sz="5000" b="1" i="0" kern="1200" cap="all" baseline="0">
+                <a:solidFill>
+                  <a:schemeClr val="bg1"/>
+                </a:solidFill>
+                <a:latin typeface="+mj-lt"/>
+                <a:ea typeface="+mj-ea"/>
+                <a:cs typeface="+mj-cs"/>
+              </a:rPr>
+              <a:t>¡Gracias por su atención!</a:t>
+            </a:r>
+          </a:p>
+        </p:txBody>
+      </p:sp>
+      <p:pic>
+        <p:nvPicPr>
+          <p:cNvPr id="6" name="Graphic 5" descr="Smiling Face with No Fill">
+            <a:extLst>
+              <a:ext uri="{FF2B5EF4-FFF2-40B4-BE49-F238E27FC236}">
+                <a16:creationId xmlns:a16="http://schemas.microsoft.com/office/drawing/2014/main" id="{1ACBF114-95DE-4CAF-81D0-692A80CA0043}"/>
+              </a:ext>
+            </a:extLst>
+          </p:cNvPr>
+          <p:cNvPicPr>
+            <a:picLocks noChangeAspect="1"/>
+          </p:cNvPicPr>
+          <p:nvPr/>
+        </p:nvPicPr>
+        <p:blipFill>
+          <a:blip r:embed="rId2">
+            <a:duotone>
+              <a:schemeClr val="accent2">
+                <a:shade val="45000"/>
+                <a:satMod val="135000"/>
+              </a:schemeClr>
+              <a:prstClr val="white"/>
+            </a:duotone>
+            <a:alphaModFix amt="51000"/>
+            <a:extLst>
+              <a:ext uri="{28A0092B-C50C-407E-A947-70E740481C1C}">
+                <a14:useLocalDpi xmlns:a14="http://schemas.microsoft.com/office/drawing/2010/main" val="0"/>
+              </a:ext>
+              <a:ext uri="{96DAC541-7B7A-43D3-8B79-37D633B846F1}">
+                <asvg:svgBlip xmlns:asvg="http://schemas.microsoft.com/office/drawing/2016/SVG/main" r:embed="rId3"/>
+              </a:ext>
+            </a:extLst>
+          </a:blip>
+          <a:stretch>
+            <a:fillRect/>
+          </a:stretch>
+        </p:blipFill>
+        <p:spPr>
+          <a:xfrm>
+            <a:off x="6148999" y="814998"/>
+            <a:ext cx="6043001" cy="6043001"/>
+          </a:xfrm>
+          <a:prstGeom prst="rect">
+            <a:avLst/>
+          </a:prstGeom>
+        </p:spPr>
+      </p:pic>
+      <p:sp>
+        <p:nvSpPr>
+          <p:cNvPr id="13" name="Graphic 17">
+            <a:extLst>
+              <a:ext uri="{FF2B5EF4-FFF2-40B4-BE49-F238E27FC236}">
+                <a16:creationId xmlns:a16="http://schemas.microsoft.com/office/drawing/2014/main" id="{B71758F4-3F46-45DA-8AC5-4E508DA080BA}"/>
+              </a:ext>
+              <a:ext uri="{C183D7F6-B498-43B3-948B-1728B52AA6E4}">
+                <adec:decorative xmlns:adec="http://schemas.microsoft.com/office/drawing/2017/decorative" val="1"/>
+              </a:ext>
+            </a:extLst>
+          </p:cNvPr>
+          <p:cNvSpPr>
+            <a:spLocks noGrp="1" noRot="1" noChangeAspect="1" noMove="1" noResize="1" noEditPoints="1" noAdjustHandles="1" noChangeArrowheads="1" noChangeShapeType="1" noTextEdit="1"/>
+          </p:cNvSpPr>
+          <p:nvPr>
+            <p:extLst>
+              <p:ext uri="{386F3935-93C4-4BCD-93E2-E3B085C9AB24}">
+                <p16:designElem xmlns:p16="http://schemas.microsoft.com/office/powerpoint/2015/main" val="1"/>
+              </p:ext>
+            </p:extLst>
+          </p:nvPr>
+        </p:nvSpPr>
+        <p:spPr>
+          <a:xfrm>
+            <a:off x="10957738" y="814999"/>
+            <a:ext cx="139039" cy="139039"/>
+          </a:xfrm>
+          <a:custGeom>
+            <a:avLst/>
+            <a:gdLst>
+              <a:gd name="connsiteX0" fmla="*/ 129602 w 139039"/>
+              <a:gd name="connsiteY0" fmla="*/ 60082 h 139039"/>
+              <a:gd name="connsiteX1" fmla="*/ 78957 w 139039"/>
+              <a:gd name="connsiteY1" fmla="*/ 60082 h 139039"/>
+              <a:gd name="connsiteX2" fmla="*/ 78957 w 139039"/>
+              <a:gd name="connsiteY2" fmla="*/ 9437 h 139039"/>
+              <a:gd name="connsiteX3" fmla="*/ 69520 w 139039"/>
+              <a:gd name="connsiteY3" fmla="*/ 0 h 139039"/>
+              <a:gd name="connsiteX4" fmla="*/ 60082 w 139039"/>
+              <a:gd name="connsiteY4" fmla="*/ 9437 h 139039"/>
+              <a:gd name="connsiteX5" fmla="*/ 60082 w 139039"/>
+              <a:gd name="connsiteY5" fmla="*/ 60082 h 139039"/>
+              <a:gd name="connsiteX6" fmla="*/ 9437 w 139039"/>
+              <a:gd name="connsiteY6" fmla="*/ 60082 h 139039"/>
+              <a:gd name="connsiteX7" fmla="*/ 0 w 139039"/>
+              <a:gd name="connsiteY7" fmla="*/ 69520 h 139039"/>
+              <a:gd name="connsiteX8" fmla="*/ 9437 w 139039"/>
+              <a:gd name="connsiteY8" fmla="*/ 78957 h 139039"/>
+              <a:gd name="connsiteX9" fmla="*/ 60082 w 139039"/>
+              <a:gd name="connsiteY9" fmla="*/ 78957 h 139039"/>
+              <a:gd name="connsiteX10" fmla="*/ 60082 w 139039"/>
+              <a:gd name="connsiteY10" fmla="*/ 129602 h 139039"/>
+              <a:gd name="connsiteX11" fmla="*/ 69520 w 139039"/>
+              <a:gd name="connsiteY11" fmla="*/ 139039 h 139039"/>
+              <a:gd name="connsiteX12" fmla="*/ 78957 w 139039"/>
+              <a:gd name="connsiteY12" fmla="*/ 129602 h 139039"/>
+              <a:gd name="connsiteX13" fmla="*/ 78957 w 139039"/>
+              <a:gd name="connsiteY13" fmla="*/ 78957 h 139039"/>
+              <a:gd name="connsiteX14" fmla="*/ 129602 w 139039"/>
+              <a:gd name="connsiteY14" fmla="*/ 78957 h 139039"/>
+              <a:gd name="connsiteX15" fmla="*/ 139039 w 139039"/>
+              <a:gd name="connsiteY15" fmla="*/ 69520 h 139039"/>
+              <a:gd name="connsiteX16" fmla="*/ 129602 w 139039"/>
+              <a:gd name="connsiteY16" fmla="*/ 60082 h 139039"/>
+            </a:gdLst>
+            <a:ahLst/>
+            <a:cxnLst>
+              <a:cxn ang="0">
+                <a:pos x="connsiteX0" y="connsiteY0"/>
+              </a:cxn>
+              <a:cxn ang="0">
+                <a:pos x="connsiteX1" y="connsiteY1"/>
+              </a:cxn>
+              <a:cxn ang="0">
+                <a:pos x="connsiteX2" y="connsiteY2"/>
+              </a:cxn>
+              <a:cxn ang="0">
+                <a:pos x="connsiteX3" y="connsiteY3"/>
+              </a:cxn>
+              <a:cxn ang="0">
+                <a:pos x="connsiteX4" y="connsiteY4"/>
+              </a:cxn>
+              <a:cxn ang="0">
+                <a:pos x="connsiteX5" y="connsiteY5"/>
+              </a:cxn>
+              <a:cxn ang="0">
+                <a:pos x="connsiteX6" y="connsiteY6"/>
+              </a:cxn>
+              <a:cxn ang="0">
+                <a:pos x="connsiteX7" y="connsiteY7"/>
+              </a:cxn>
+              <a:cxn ang="0">
+                <a:pos x="connsiteX8" y="connsiteY8"/>
+              </a:cxn>
+              <a:cxn ang="0">
+                <a:pos x="connsiteX9" y="connsiteY9"/>
+              </a:cxn>
+              <a:cxn ang="0">
+                <a:pos x="connsiteX10" y="connsiteY10"/>
+              </a:cxn>
+              <a:cxn ang="0">
+                <a:pos x="connsiteX11" y="connsiteY11"/>
+              </a:cxn>
+              <a:cxn ang="0">
+                <a:pos x="connsiteX12" y="connsiteY12"/>
+              </a:cxn>
+              <a:cxn ang="0">
+                <a:pos x="connsiteX13" y="connsiteY13"/>
+              </a:cxn>
+              <a:cxn ang="0">
+                <a:pos x="connsiteX14" y="connsiteY14"/>
+              </a:cxn>
+              <a:cxn ang="0">
+                <a:pos x="connsiteX15" y="connsiteY15"/>
+              </a:cxn>
+              <a:cxn ang="0">
+                <a:pos x="connsiteX16" y="connsiteY16"/>
+              </a:cxn>
+            </a:cxnLst>
+            <a:rect l="l" t="t" r="r" b="b"/>
+            <a:pathLst>
+              <a:path w="139039" h="139039">
+                <a:moveTo>
+                  <a:pt x="129602" y="60082"/>
+                </a:moveTo>
+                <a:lnTo>
+                  <a:pt x="78957" y="60082"/>
+                </a:lnTo>
+                <a:lnTo>
+                  <a:pt x="78957" y="9437"/>
+                </a:lnTo>
+                <a:cubicBezTo>
+                  <a:pt x="78957" y="4225"/>
+                  <a:pt x="74731" y="0"/>
+                  <a:pt x="69520" y="0"/>
+                </a:cubicBezTo>
+                <a:cubicBezTo>
+                  <a:pt x="64308" y="0"/>
+                  <a:pt x="60082" y="4225"/>
+                  <a:pt x="60082" y="9437"/>
+                </a:cubicBezTo>
+                <a:lnTo>
+                  <a:pt x="60082" y="60082"/>
+                </a:lnTo>
+                <a:lnTo>
+                  <a:pt x="9437" y="60082"/>
+                </a:lnTo>
+                <a:cubicBezTo>
+                  <a:pt x="4225" y="60082"/>
+                  <a:pt x="0" y="64308"/>
+                  <a:pt x="0" y="69520"/>
+                </a:cubicBezTo>
+                <a:cubicBezTo>
+                  <a:pt x="0" y="74731"/>
+                  <a:pt x="4225" y="78957"/>
+                  <a:pt x="9437" y="78957"/>
+                </a:cubicBezTo>
+                <a:lnTo>
+                  <a:pt x="60082" y="78957"/>
+                </a:lnTo>
+                <a:lnTo>
+                  <a:pt x="60082" y="129602"/>
+                </a:lnTo>
+                <a:cubicBezTo>
+                  <a:pt x="60082" y="134814"/>
+                  <a:pt x="64308" y="139039"/>
+                  <a:pt x="69520" y="139039"/>
+                </a:cubicBezTo>
+                <a:cubicBezTo>
+                  <a:pt x="74731" y="139039"/>
+                  <a:pt x="78957" y="134814"/>
+                  <a:pt x="78957" y="129602"/>
+                </a:cubicBezTo>
+                <a:lnTo>
+                  <a:pt x="78957" y="78957"/>
+                </a:lnTo>
+                <a:lnTo>
+                  <a:pt x="129602" y="78957"/>
+                </a:lnTo>
+                <a:cubicBezTo>
+                  <a:pt x="134814" y="78957"/>
+                  <a:pt x="139039" y="74731"/>
+                  <a:pt x="139039" y="69520"/>
+                </a:cubicBezTo>
+                <a:cubicBezTo>
+                  <a:pt x="139039" y="64308"/>
+                  <a:pt x="134814" y="60082"/>
+                  <a:pt x="129602" y="60082"/>
+                </a:cubicBezTo>
+                <a:close/>
+              </a:path>
+            </a:pathLst>
+          </a:custGeom>
+          <a:solidFill>
+            <a:schemeClr val="bg1"/>
+          </a:solidFill>
+          <a:ln w="603" cap="flat">
+            <a:noFill/>
+            <a:prstDash val="solid"/>
+            <a:miter/>
+          </a:ln>
+        </p:spPr>
+        <p:txBody>
+          <a:bodyPr rtlCol="0" anchor="ctr"/>
+          <a:lstStyle/>
+          <a:p>
+            <a:endParaRPr lang="en-US"/>
+          </a:p>
+        </p:txBody>
+      </p:sp>
+      <p:sp>
+        <p:nvSpPr>
+          <p:cNvPr id="15" name="Graphic 15">
+            <a:extLst>
+              <a:ext uri="{FF2B5EF4-FFF2-40B4-BE49-F238E27FC236}">
+                <a16:creationId xmlns:a16="http://schemas.microsoft.com/office/drawing/2014/main" id="{8550FED7-7C32-42BB-98DB-30272A6331A9}"/>
+              </a:ext>
+              <a:ext uri="{C183D7F6-B498-43B3-948B-1728B52AA6E4}">
+                <adec:decorative xmlns:adec="http://schemas.microsoft.com/office/drawing/2017/decorative" val="1"/>
+              </a:ext>
+            </a:extLst>
+          </p:cNvPr>
+          <p:cNvSpPr>
+            <a:spLocks noGrp="1" noRot="1" noChangeAspect="1" noMove="1" noResize="1" noEditPoints="1" noAdjustHandles="1" noChangeArrowheads="1" noChangeShapeType="1" noTextEdit="1"/>
+          </p:cNvSpPr>
+          <p:nvPr>
+            <p:extLst>
+              <p:ext uri="{386F3935-93C4-4BCD-93E2-E3B085C9AB24}">
+                <p16:designElem xmlns:p16="http://schemas.microsoft.com/office/powerpoint/2015/main" val="1"/>
+              </p:ext>
+            </p:extLst>
+          </p:nvPr>
+        </p:nvSpPr>
+        <p:spPr>
+          <a:xfrm>
+            <a:off x="11316518" y="1044294"/>
+            <a:ext cx="91138" cy="91138"/>
+          </a:xfrm>
+          <a:custGeom>
+            <a:avLst/>
+            <a:gdLst>
+              <a:gd name="connsiteX0" fmla="*/ 91138 w 91138"/>
+              <a:gd name="connsiteY0" fmla="*/ 45569 h 91138"/>
+              <a:gd name="connsiteX1" fmla="*/ 45569 w 91138"/>
+              <a:gd name="connsiteY1" fmla="*/ 91138 h 91138"/>
+              <a:gd name="connsiteX2" fmla="*/ 0 w 91138"/>
+              <a:gd name="connsiteY2" fmla="*/ 45569 h 91138"/>
+              <a:gd name="connsiteX3" fmla="*/ 45569 w 91138"/>
+              <a:gd name="connsiteY3" fmla="*/ 0 h 91138"/>
+              <a:gd name="connsiteX4" fmla="*/ 91138 w 91138"/>
+              <a:gd name="connsiteY4" fmla="*/ 45569 h 91138"/>
+            </a:gdLst>
+            <a:ahLst/>
+            <a:cxnLst>
+              <a:cxn ang="0">
+                <a:pos x="connsiteX0" y="connsiteY0"/>
+              </a:cxn>
+              <a:cxn ang="0">
+                <a:pos x="connsiteX1" y="connsiteY1"/>
+              </a:cxn>
+              <a:cxn ang="0">
+                <a:pos x="connsiteX2" y="connsiteY2"/>
+              </a:cxn>
+              <a:cxn ang="0">
+                <a:pos x="connsiteX3" y="connsiteY3"/>
+              </a:cxn>
+              <a:cxn ang="0">
+                <a:pos x="connsiteX4" y="connsiteY4"/>
+              </a:cxn>
+            </a:cxnLst>
+            <a:rect l="l" t="t" r="r" b="b"/>
+            <a:pathLst>
+              <a:path w="91138" h="91138">
+                <a:moveTo>
+                  <a:pt x="91138" y="45569"/>
+                </a:moveTo>
+                <a:cubicBezTo>
+                  <a:pt x="91138" y="70736"/>
+                  <a:pt x="70736" y="91138"/>
+                  <a:pt x="45569" y="91138"/>
+                </a:cubicBezTo>
+                <a:cubicBezTo>
+                  <a:pt x="20402" y="91138"/>
+                  <a:pt x="0" y="70736"/>
+                  <a:pt x="0" y="45569"/>
+                </a:cubicBezTo>
+                <a:cubicBezTo>
+                  <a:pt x="0" y="20402"/>
+                  <a:pt x="20402" y="0"/>
+                  <a:pt x="45569" y="0"/>
+                </a:cubicBezTo>
+                <a:cubicBezTo>
+                  <a:pt x="70736" y="0"/>
+                  <a:pt x="91138" y="20402"/>
+                  <a:pt x="91138" y="45569"/>
+                </a:cubicBezTo>
+                <a:close/>
+              </a:path>
+            </a:pathLst>
+          </a:custGeom>
+          <a:solidFill>
+            <a:schemeClr val="bg1"/>
+          </a:solidFill>
+          <a:ln w="422" cap="flat">
+            <a:noFill/>
+            <a:prstDash val="solid"/>
+            <a:miter/>
+          </a:ln>
+        </p:spPr>
+        <p:txBody>
+          <a:bodyPr rtlCol="0" anchor="ctr"/>
+          <a:lstStyle/>
+          <a:p>
+            <a:endParaRPr lang="en-US"/>
+          </a:p>
+        </p:txBody>
+      </p:sp>
+      <p:sp>
+        <p:nvSpPr>
+          <p:cNvPr id="17" name="Graphic 21">
+            <a:extLst>
+              <a:ext uri="{FF2B5EF4-FFF2-40B4-BE49-F238E27FC236}">
+                <a16:creationId xmlns:a16="http://schemas.microsoft.com/office/drawing/2014/main" id="{8D61482F-F3C5-4D66-8C5D-C6BBE3E1275C}"/>
+              </a:ext>
+              <a:ext uri="{C183D7F6-B498-43B3-948B-1728B52AA6E4}">
+                <adec:decorative xmlns:adec="http://schemas.microsoft.com/office/drawing/2017/decorative" val="1"/>
+              </a:ext>
+            </a:extLst>
+          </p:cNvPr>
+          <p:cNvSpPr>
+            <a:spLocks noGrp="1" noRot="1" noChangeAspect="1" noMove="1" noResize="1" noEditPoints="1" noAdjustHandles="1" noChangeArrowheads="1" noChangeShapeType="1" noTextEdit="1"/>
+          </p:cNvSpPr>
+          <p:nvPr>
+            <p:extLst>
+              <p:ext uri="{386F3935-93C4-4BCD-93E2-E3B085C9AB24}">
+                <p16:designElem xmlns:p16="http://schemas.microsoft.com/office/powerpoint/2015/main" val="1"/>
+              </p:ext>
+            </p:extLst>
+          </p:nvPr>
+        </p:nvSpPr>
+        <p:spPr>
+          <a:xfrm>
+            <a:off x="10942198" y="1268720"/>
+            <a:ext cx="127714" cy="127714"/>
+          </a:xfrm>
+          <a:custGeom>
+            <a:avLst/>
+            <a:gdLst>
+              <a:gd name="connsiteX0" fmla="*/ 63857 w 127714"/>
+              <a:gd name="connsiteY0" fmla="*/ 18874 h 127714"/>
+              <a:gd name="connsiteX1" fmla="*/ 108840 w 127714"/>
+              <a:gd name="connsiteY1" fmla="*/ 63857 h 127714"/>
+              <a:gd name="connsiteX2" fmla="*/ 63857 w 127714"/>
+              <a:gd name="connsiteY2" fmla="*/ 108840 h 127714"/>
+              <a:gd name="connsiteX3" fmla="*/ 18874 w 127714"/>
+              <a:gd name="connsiteY3" fmla="*/ 63857 h 127714"/>
+              <a:gd name="connsiteX4" fmla="*/ 63857 w 127714"/>
+              <a:gd name="connsiteY4" fmla="*/ 18874 h 127714"/>
+              <a:gd name="connsiteX5" fmla="*/ 63857 w 127714"/>
+              <a:gd name="connsiteY5" fmla="*/ 0 h 127714"/>
+              <a:gd name="connsiteX6" fmla="*/ 0 w 127714"/>
+              <a:gd name="connsiteY6" fmla="*/ 63857 h 127714"/>
+              <a:gd name="connsiteX7" fmla="*/ 63857 w 127714"/>
+              <a:gd name="connsiteY7" fmla="*/ 127714 h 127714"/>
+              <a:gd name="connsiteX8" fmla="*/ 127714 w 127714"/>
+              <a:gd name="connsiteY8" fmla="*/ 63857 h 127714"/>
+              <a:gd name="connsiteX9" fmla="*/ 63857 w 127714"/>
+              <a:gd name="connsiteY9" fmla="*/ 0 h 127714"/>
+            </a:gdLst>
+            <a:ahLst/>
+            <a:cxnLst>
+              <a:cxn ang="0">
+                <a:pos x="connsiteX0" y="connsiteY0"/>
+              </a:cxn>
+              <a:cxn ang="0">
+                <a:pos x="connsiteX1" y="connsiteY1"/>
+              </a:cxn>
+              <a:cxn ang="0">
+                <a:pos x="connsiteX2" y="connsiteY2"/>
+              </a:cxn>
+              <a:cxn ang="0">
+                <a:pos x="connsiteX3" y="connsiteY3"/>
+              </a:cxn>
+              <a:cxn ang="0">
+                <a:pos x="connsiteX4" y="connsiteY4"/>
+              </a:cxn>
+              <a:cxn ang="0">
+                <a:pos x="connsiteX5" y="connsiteY5"/>
+              </a:cxn>
+              <a:cxn ang="0">
+                <a:pos x="connsiteX6" y="connsiteY6"/>
+              </a:cxn>
+              <a:cxn ang="0">
+                <a:pos x="connsiteX7" y="connsiteY7"/>
+              </a:cxn>
+              <a:cxn ang="0">
+                <a:pos x="connsiteX8" y="connsiteY8"/>
+              </a:cxn>
+              <a:cxn ang="0">
+                <a:pos x="connsiteX9" y="connsiteY9"/>
+              </a:cxn>
+            </a:cxnLst>
+            <a:rect l="l" t="t" r="r" b="b"/>
+            <a:pathLst>
+              <a:path w="127714" h="127714">
+                <a:moveTo>
+                  <a:pt x="63857" y="18874"/>
+                </a:moveTo>
+                <a:cubicBezTo>
+                  <a:pt x="88700" y="18874"/>
+                  <a:pt x="108840" y="39014"/>
+                  <a:pt x="108840" y="63857"/>
+                </a:cubicBezTo>
+                <a:cubicBezTo>
+                  <a:pt x="108840" y="88700"/>
+                  <a:pt x="88700" y="108840"/>
+                  <a:pt x="63857" y="108840"/>
+                </a:cubicBezTo>
+                <a:cubicBezTo>
+                  <a:pt x="39014" y="108840"/>
+                  <a:pt x="18874" y="88700"/>
+                  <a:pt x="18874" y="63857"/>
+                </a:cubicBezTo>
+                <a:cubicBezTo>
+                  <a:pt x="18898" y="39024"/>
+                  <a:pt x="39024" y="18898"/>
+                  <a:pt x="63857" y="18874"/>
+                </a:cubicBezTo>
+                <a:moveTo>
+                  <a:pt x="63857" y="0"/>
+                </a:moveTo>
+                <a:cubicBezTo>
+                  <a:pt x="28590" y="0"/>
+                  <a:pt x="0" y="28590"/>
+                  <a:pt x="0" y="63857"/>
+                </a:cubicBezTo>
+                <a:cubicBezTo>
+                  <a:pt x="0" y="99124"/>
+                  <a:pt x="28590" y="127714"/>
+                  <a:pt x="63857" y="127714"/>
+                </a:cubicBezTo>
+                <a:cubicBezTo>
+                  <a:pt x="99124" y="127714"/>
+                  <a:pt x="127714" y="99124"/>
+                  <a:pt x="127714" y="63857"/>
+                </a:cubicBezTo>
+                <a:cubicBezTo>
+                  <a:pt x="127714" y="28590"/>
+                  <a:pt x="99124" y="0"/>
+                  <a:pt x="63857" y="0"/>
+                </a:cubicBezTo>
+                <a:close/>
+              </a:path>
+            </a:pathLst>
+          </a:custGeom>
+          <a:solidFill>
+            <a:schemeClr val="bg1"/>
+          </a:solidFill>
+          <a:ln w="610" cap="flat">
+            <a:noFill/>
+            <a:prstDash val="solid"/>
+            <a:miter/>
+          </a:ln>
+        </p:spPr>
+        <p:txBody>
+          <a:bodyPr rtlCol="0" anchor="ctr"/>
+          <a:lstStyle/>
+          <a:p>
+            <a:endParaRPr lang="en-US"/>
+          </a:p>
+        </p:txBody>
+      </p:sp>
+      <p:cxnSp>
+        <p:nvCxnSpPr>
+          <p:cNvPr id="19" name="Straight Connector 18">
+            <a:extLst>
+              <a:ext uri="{FF2B5EF4-FFF2-40B4-BE49-F238E27FC236}">
+                <a16:creationId xmlns:a16="http://schemas.microsoft.com/office/drawing/2014/main" id="{56020367-4FD5-4596-8E10-C5F095CD8DBF}"/>
+              </a:ext>
+              <a:ext uri="{C183D7F6-B498-43B3-948B-1728B52AA6E4}">
+                <adec:decorative xmlns:adec="http://schemas.microsoft.com/office/drawing/2017/decorative" val="1"/>
+              </a:ext>
+            </a:extLst>
+          </p:cNvPr>
+          <p:cNvCxnSpPr>
+            <a:cxnSpLocks noGrp="1" noRot="1" noChangeAspect="1" noMove="1" noResize="1" noEditPoints="1" noAdjustHandles="1" noChangeArrowheads="1" noChangeShapeType="1"/>
+          </p:cNvCxnSpPr>
+          <p:nvPr>
+            <p:extLst>
+              <p:ext uri="{386F3935-93C4-4BCD-93E2-E3B085C9AB24}">
+                <p16:designElem xmlns:p16="http://schemas.microsoft.com/office/powerpoint/2015/main" val="1"/>
+              </p:ext>
+            </p:extLst>
+          </p:nvPr>
+        </p:nvCxnSpPr>
+        <p:spPr>
+          <a:xfrm flipH="1">
+            <a:off x="829322" y="6274341"/>
+            <a:ext cx="11353800" cy="0"/>
+          </a:xfrm>
+          <a:prstGeom prst="line">
+            <a:avLst/>
+          </a:prstGeom>
+          <a:ln w="25400" cap="sq">
+            <a:solidFill>
+              <a:schemeClr val="bg1"/>
+            </a:solidFill>
+            <a:bevel/>
+          </a:ln>
+        </p:spPr>
+        <p:style>
+          <a:lnRef idx="1">
+            <a:schemeClr val="accent1"/>
+          </a:lnRef>
+          <a:fillRef idx="0">
+            <a:schemeClr val="accent1"/>
+          </a:fillRef>
+          <a:effectRef idx="0">
+            <a:schemeClr val="accent1"/>
+          </a:effectRef>
+          <a:fontRef idx="minor">
+            <a:schemeClr val="tx1"/>
+          </a:fontRef>
+        </p:style>
+      </p:cxnSp>
+    </p:spTree>
+    <p:extLst>
+      <p:ext uri="{BB962C8B-B14F-4D97-AF65-F5344CB8AC3E}">
+        <p14:creationId xmlns:p14="http://schemas.microsoft.com/office/powerpoint/2010/main" val="2519356449"/>
+      </p:ext>
+    </p:extLst>
+  </p:cSld>
+  <p:clrMapOvr>
+    <a:masterClrMapping/>
+  </p:clrMapOvr>
+  <mc:AlternateContent xmlns:mc="http://schemas.openxmlformats.org/markup-compatibility/2006">
+    <mc:Choice xmlns:p15="http://schemas.microsoft.com/office/powerpoint/2012/main" Requires="p15">
+      <p:transition xmlns:p14="http://schemas.microsoft.com/office/powerpoint/2010/main" spd="slow" p14:dur="2000">
+        <p15:prstTrans prst="wind"/>
+      </p:transition>
+    </mc:Choice>
+    <mc:Fallback>
+      <p:transition spd="slow">
+        <p:fade/>
+      </p:transition>
+    </mc:Fallback>
+  </mc:AlternateContent>
 </p:sld>
 </file>
 
@@ -10108,6 +11821,9 @@
   <p:clrMapOvr>
     <a:masterClrMapping/>
   </p:clrMapOvr>
+  <p:transition spd="med">
+    <p:pull/>
+  </p:transition>
 </p:sld>
 </file>
 
@@ -10782,6 +12498,9 @@
   <p:clrMapOvr>
     <a:masterClrMapping/>
   </p:clrMapOvr>
+  <p:transition spd="med">
+    <p:pull/>
+  </p:transition>
 </p:sld>
 </file>
 
@@ -10940,6 +12659,9 @@
   <p:clrMapOvr>
     <a:masterClrMapping/>
   </p:clrMapOvr>
+  <p:transition spd="med">
+    <p:pull/>
+  </p:transition>
 </p:sld>
 </file>
 
@@ -12857,6 +14579,9 @@
   <p:clrMapOvr>
     <a:masterClrMapping/>
   </p:clrMapOvr>
+  <p:transition spd="med">
+    <p:pull/>
+  </p:transition>
 </p:sld>
 </file>
 
@@ -13058,6 +14783,9 @@
   <p:clrMapOvr>
     <a:masterClrMapping/>
   </p:clrMapOvr>
+  <p:transition spd="med">
+    <p:pull/>
+  </p:transition>
 </p:sld>
 </file>
 
@@ -13407,6 +15135,9 @@
   <p:clrMapOvr>
     <a:masterClrMapping/>
   </p:clrMapOvr>
+  <p:transition spd="med">
+    <p:pull/>
+  </p:transition>
 </p:sld>
 </file>
 
@@ -14680,6 +16411,9 @@
   <p:clrMapOvr>
     <a:masterClrMapping/>
   </p:clrMapOvr>
+  <p:transition spd="med">
+    <p:pull/>
+  </p:transition>
 </p:sld>
 </file>
 
@@ -14834,6 +16568,9 @@
   <p:clrMapOvr>
     <a:masterClrMapping/>
   </p:clrMapOvr>
+  <p:transition spd="med">
+    <p:pull/>
+  </p:transition>
 </p:sld>
 </file>
 

--- a/JaPy-ES.pptx
+++ b/JaPy-ES.pptx
@@ -7630,13 +7630,13 @@
   <p:clrMapOvr>
     <a:masterClrMapping/>
   </p:clrMapOvr>
-  <mc:AlternateContent xmlns:mc="http://schemas.openxmlformats.org/markup-compatibility/2006">
-    <mc:Choice xmlns:p14="http://schemas.microsoft.com/office/powerpoint/2010/main" Requires="p14">
+  <mc:AlternateContent xmlns:mc="http://schemas.openxmlformats.org/markup-compatibility/2006" xmlns:p14="http://schemas.microsoft.com/office/powerpoint/2010/main">
+    <mc:Choice Requires="p14">
       <p:transition spd="slow" p14:dur="3900">
         <p14:glitter pattern="hexagon"/>
       </p:transition>
     </mc:Choice>
-    <mc:Fallback>
+    <mc:Fallback xmlns="">
       <p:transition spd="slow">
         <p:fade/>
       </p:transition>
@@ -10774,13 +10774,13 @@
   <p:clrMapOvr>
     <a:masterClrMapping/>
   </p:clrMapOvr>
-  <mc:AlternateContent xmlns:mc="http://schemas.openxmlformats.org/markup-compatibility/2006">
-    <mc:Choice xmlns:p15="http://schemas.microsoft.com/office/powerpoint/2012/main" Requires="p15">
+  <mc:AlternateContent xmlns:mc="http://schemas.openxmlformats.org/markup-compatibility/2006" xmlns:p15="http://schemas.microsoft.com/office/powerpoint/2012/main">
+    <mc:Choice Requires="p15">
       <p:transition xmlns:p14="http://schemas.microsoft.com/office/powerpoint/2010/main" spd="slow" p14:dur="2000">
         <p15:prstTrans prst="wind"/>
       </p:transition>
     </mc:Choice>
-    <mc:Fallback>
+    <mc:Fallback xmlns="">
       <p:transition spd="slow">
         <p:fade/>
       </p:transition>
@@ -12521,110 +12521,12 @@
           <a:chExt cx="0" cy="0"/>
         </a:xfrm>
       </p:grpSpPr>
-      <p:sp>
-        <p:nvSpPr>
-          <p:cNvPr id="2" name="Título 1">
+      <p:pic>
+        <p:nvPicPr>
+          <p:cNvPr id="10" name="Imagen 9">
             <a:extLst>
               <a:ext uri="{FF2B5EF4-FFF2-40B4-BE49-F238E27FC236}">
-                <a16:creationId xmlns:a16="http://schemas.microsoft.com/office/drawing/2014/main" id="{3577DDC5-B1D6-3EAB-4F2D-CE56B9644527}"/>
-              </a:ext>
-            </a:extLst>
-          </p:cNvPr>
-          <p:cNvSpPr>
-            <a:spLocks noGrp="1"/>
-          </p:cNvSpPr>
-          <p:nvPr>
-            <p:ph type="title"/>
-          </p:nvPr>
-        </p:nvSpPr>
-        <p:spPr/>
-        <p:txBody>
-          <a:bodyPr/>
-          <a:lstStyle/>
-          <a:p>
-            <a:r>
-              <a:rPr lang="es-ES" dirty="0" err="1"/>
-              <a:t>pythonInterpreterJava</a:t>
-            </a:r>
-            <a:endParaRPr lang="es-ES" dirty="0"/>
-          </a:p>
-        </p:txBody>
-      </p:sp>
-      <p:sp>
-        <p:nvSpPr>
-          <p:cNvPr id="3" name="Marcador de contenido 2">
-            <a:extLst>
-              <a:ext uri="{FF2B5EF4-FFF2-40B4-BE49-F238E27FC236}">
-                <a16:creationId xmlns:a16="http://schemas.microsoft.com/office/drawing/2014/main" id="{95E73C2B-9C59-4631-77BE-A1CEA0E10E9B}"/>
-              </a:ext>
-            </a:extLst>
-          </p:cNvPr>
-          <p:cNvSpPr>
-            <a:spLocks noGrp="1"/>
-          </p:cNvSpPr>
-          <p:nvPr>
-            <p:ph idx="1"/>
-          </p:nvPr>
-        </p:nvSpPr>
-        <p:spPr/>
-        <p:txBody>
-          <a:bodyPr/>
-          <a:lstStyle/>
-          <a:p>
-            <a:r>
-              <a:rPr lang="es-ES" dirty="0"/>
-              <a:t>Ejemplo de uso de </a:t>
-            </a:r>
-            <a:r>
-              <a:rPr lang="es-ES" dirty="0" err="1"/>
-              <a:t>jython</a:t>
-            </a:r>
-            <a:r>
-              <a:rPr lang="es-ES" dirty="0"/>
-              <a:t> en Java: </a:t>
-            </a:r>
-          </a:p>
-          <a:p>
-            <a:endParaRPr lang="es-ES" dirty="0"/>
-          </a:p>
-          <a:p>
-            <a:pPr lvl="1"/>
-            <a:endParaRPr lang="es-ES" dirty="0"/>
-          </a:p>
-          <a:p>
-            <a:pPr lvl="1"/>
-            <a:endParaRPr lang="es-ES" dirty="0"/>
-          </a:p>
-          <a:p>
-            <a:pPr lvl="1"/>
-            <a:endParaRPr lang="es-ES" dirty="0"/>
-          </a:p>
-          <a:p>
-            <a:pPr lvl="1"/>
-            <a:endParaRPr lang="es-ES" dirty="0"/>
-          </a:p>
-          <a:p>
-            <a:pPr lvl="1"/>
-            <a:endParaRPr lang="es-ES" dirty="0"/>
-          </a:p>
-          <a:p>
-            <a:pPr lvl="1"/>
-            <a:endParaRPr lang="es-ES" dirty="0"/>
-          </a:p>
-          <a:p>
-            <a:pPr marL="457200" lvl="1" indent="0">
-              <a:buNone/>
-            </a:pPr>
-            <a:endParaRPr lang="es-ES" dirty="0"/>
-          </a:p>
-        </p:txBody>
-      </p:sp>
-      <p:pic>
-        <p:nvPicPr>
-          <p:cNvPr id="5" name="Imagen 4">
-            <a:extLst>
-              <a:ext uri="{FF2B5EF4-FFF2-40B4-BE49-F238E27FC236}">
-                <a16:creationId xmlns:a16="http://schemas.microsoft.com/office/drawing/2014/main" id="{A1027D45-0E6C-64DB-E942-D6A55D0CA61F}"/>
+                <a16:creationId xmlns:a16="http://schemas.microsoft.com/office/drawing/2014/main" id="{5C3BCCBB-03C3-1DA2-37B1-E35A3D8738B6}"/>
               </a:ext>
             </a:extLst>
           </p:cNvPr>
@@ -12641,8 +12543,201 @@
         </p:blipFill>
         <p:spPr>
           <a:xfrm>
-            <a:off x="2503585" y="2620479"/>
+            <a:off x="0" y="1022"/>
+            <a:ext cx="12193816" cy="6856978"/>
+          </a:xfrm>
+          <a:prstGeom prst="rect">
+            <a:avLst/>
+          </a:prstGeom>
+        </p:spPr>
+      </p:pic>
+      <p:sp>
+        <p:nvSpPr>
+          <p:cNvPr id="2" name="Título 1">
+            <a:extLst>
+              <a:ext uri="{FF2B5EF4-FFF2-40B4-BE49-F238E27FC236}">
+                <a16:creationId xmlns:a16="http://schemas.microsoft.com/office/drawing/2014/main" id="{3577DDC5-B1D6-3EAB-4F2D-CE56B9644527}"/>
+              </a:ext>
+            </a:extLst>
+          </p:cNvPr>
+          <p:cNvSpPr>
+            <a:spLocks noGrp="1"/>
+          </p:cNvSpPr>
+          <p:nvPr>
+            <p:ph type="title"/>
+          </p:nvPr>
+        </p:nvSpPr>
+        <p:spPr/>
+        <p:txBody>
+          <a:bodyPr/>
+          <a:lstStyle/>
+          <a:p>
+            <a:r>
+              <a:rPr lang="es-ES" dirty="0" err="1"/>
+              <a:t>pythonInterpreterJava</a:t>
+            </a:r>
+            <a:endParaRPr lang="es-ES" dirty="0"/>
+          </a:p>
+        </p:txBody>
+      </p:sp>
+      <p:sp>
+        <p:nvSpPr>
+          <p:cNvPr id="3" name="Marcador de contenido 2">
+            <a:extLst>
+              <a:ext uri="{FF2B5EF4-FFF2-40B4-BE49-F238E27FC236}">
+                <a16:creationId xmlns:a16="http://schemas.microsoft.com/office/drawing/2014/main" id="{95E73C2B-9C59-4631-77BE-A1CEA0E10E9B}"/>
+              </a:ext>
+            </a:extLst>
+          </p:cNvPr>
+          <p:cNvSpPr>
+            <a:spLocks noGrp="1"/>
+          </p:cNvSpPr>
+          <p:nvPr>
+            <p:ph idx="1"/>
+          </p:nvPr>
+        </p:nvSpPr>
+        <p:spPr>
+          <a:xfrm>
+            <a:off x="838200" y="1825625"/>
+            <a:ext cx="10515600" cy="537308"/>
+          </a:xfrm>
+        </p:spPr>
+        <p:txBody>
+          <a:bodyPr/>
+          <a:lstStyle/>
+          <a:p>
+            <a:r>
+              <a:rPr lang="es-ES" dirty="0"/>
+              <a:t>Ejemplo de uso de </a:t>
+            </a:r>
+            <a:r>
+              <a:rPr lang="es-ES" dirty="0" err="1"/>
+              <a:t>jython</a:t>
+            </a:r>
+            <a:r>
+              <a:rPr lang="es-ES" dirty="0"/>
+              <a:t> en Java: </a:t>
+            </a:r>
+          </a:p>
+          <a:p>
+            <a:endParaRPr lang="es-ES" dirty="0"/>
+          </a:p>
+          <a:p>
+            <a:pPr lvl="1"/>
+            <a:endParaRPr lang="es-ES" dirty="0"/>
+          </a:p>
+          <a:p>
+            <a:pPr lvl="1"/>
+            <a:endParaRPr lang="es-ES" dirty="0"/>
+          </a:p>
+          <a:p>
+            <a:pPr lvl="1"/>
+            <a:endParaRPr lang="es-ES" dirty="0"/>
+          </a:p>
+          <a:p>
+            <a:pPr lvl="1"/>
+            <a:endParaRPr lang="es-ES" dirty="0"/>
+          </a:p>
+          <a:p>
+            <a:pPr lvl="1"/>
+            <a:endParaRPr lang="es-ES" dirty="0"/>
+          </a:p>
+          <a:p>
+            <a:pPr lvl="1"/>
+            <a:endParaRPr lang="es-ES" dirty="0"/>
+          </a:p>
+          <a:p>
+            <a:pPr marL="457200" lvl="1" indent="0">
+              <a:buNone/>
+            </a:pPr>
+            <a:endParaRPr lang="es-ES" dirty="0"/>
+          </a:p>
+        </p:txBody>
+      </p:sp>
+      <p:pic>
+        <p:nvPicPr>
+          <p:cNvPr id="5" name="Imagen 4">
+            <a:extLst>
+              <a:ext uri="{FF2B5EF4-FFF2-40B4-BE49-F238E27FC236}">
+                <a16:creationId xmlns:a16="http://schemas.microsoft.com/office/drawing/2014/main" id="{A1027D45-0E6C-64DB-E942-D6A55D0CA61F}"/>
+              </a:ext>
+            </a:extLst>
+          </p:cNvPr>
+          <p:cNvPicPr>
+            <a:picLocks noChangeAspect="1"/>
+          </p:cNvPicPr>
+          <p:nvPr/>
+        </p:nvPicPr>
+        <p:blipFill>
+          <a:blip r:embed="rId3"/>
+          <a:stretch>
+            <a:fillRect/>
+          </a:stretch>
+        </p:blipFill>
+        <p:spPr>
+          <a:xfrm>
+            <a:off x="2503585" y="3560424"/>
             <a:ext cx="7184829" cy="2616539"/>
+          </a:xfrm>
+          <a:prstGeom prst="rect">
+            <a:avLst/>
+          </a:prstGeom>
+        </p:spPr>
+      </p:pic>
+      <p:pic>
+        <p:nvPicPr>
+          <p:cNvPr id="6" name="Imagen 5">
+            <a:extLst>
+              <a:ext uri="{FF2B5EF4-FFF2-40B4-BE49-F238E27FC236}">
+                <a16:creationId xmlns:a16="http://schemas.microsoft.com/office/drawing/2014/main" id="{64879C26-0B2B-47FF-6381-82B8FDD8A5DD}"/>
+              </a:ext>
+            </a:extLst>
+          </p:cNvPr>
+          <p:cNvPicPr>
+            <a:picLocks noChangeAspect="1"/>
+          </p:cNvPicPr>
+          <p:nvPr/>
+        </p:nvPicPr>
+        <p:blipFill>
+          <a:blip r:embed="rId4"/>
+          <a:stretch>
+            <a:fillRect/>
+          </a:stretch>
+        </p:blipFill>
+        <p:spPr>
+          <a:xfrm>
+            <a:off x="6095999" y="2609876"/>
+            <a:ext cx="4634678" cy="266361"/>
+          </a:xfrm>
+          <a:prstGeom prst="rect">
+            <a:avLst/>
+          </a:prstGeom>
+        </p:spPr>
+      </p:pic>
+      <p:pic>
+        <p:nvPicPr>
+          <p:cNvPr id="8" name="Imagen 7">
+            <a:extLst>
+              <a:ext uri="{FF2B5EF4-FFF2-40B4-BE49-F238E27FC236}">
+                <a16:creationId xmlns:a16="http://schemas.microsoft.com/office/drawing/2014/main" id="{25B33EF7-F608-A9F0-EE4C-88CEB7348D8C}"/>
+              </a:ext>
+            </a:extLst>
+          </p:cNvPr>
+          <p:cNvPicPr>
+            <a:picLocks noChangeAspect="1"/>
+          </p:cNvPicPr>
+          <p:nvPr/>
+        </p:nvPicPr>
+        <p:blipFill>
+          <a:blip r:embed="rId5"/>
+          <a:stretch>
+            <a:fillRect/>
+          </a:stretch>
+        </p:blipFill>
+        <p:spPr>
+          <a:xfrm>
+            <a:off x="1576925" y="2474402"/>
+            <a:ext cx="3780349" cy="537308"/>
           </a:xfrm>
           <a:prstGeom prst="rect">
             <a:avLst/>
@@ -12682,6 +12777,36 @@
           <a:chExt cx="0" cy="0"/>
         </a:xfrm>
       </p:grpSpPr>
+      <p:pic>
+        <p:nvPicPr>
+          <p:cNvPr id="3" name="Imagen 2">
+            <a:extLst>
+              <a:ext uri="{FF2B5EF4-FFF2-40B4-BE49-F238E27FC236}">
+                <a16:creationId xmlns:a16="http://schemas.microsoft.com/office/drawing/2014/main" id="{6D3A593E-7A1F-52A5-DD04-503EAD59CF17}"/>
+              </a:ext>
+            </a:extLst>
+          </p:cNvPr>
+          <p:cNvPicPr>
+            <a:picLocks noChangeAspect="1"/>
+          </p:cNvPicPr>
+          <p:nvPr/>
+        </p:nvPicPr>
+        <p:blipFill>
+          <a:blip r:embed="rId2"/>
+          <a:stretch>
+            <a:fillRect/>
+          </a:stretch>
+        </p:blipFill>
+        <p:spPr>
+          <a:xfrm>
+            <a:off x="0" y="1022"/>
+            <a:ext cx="12193816" cy="6856978"/>
+          </a:xfrm>
+          <a:prstGeom prst="rect">
+            <a:avLst/>
+          </a:prstGeom>
+        </p:spPr>
+      </p:pic>
       <p:sp>
         <p:nvSpPr>
           <p:cNvPr id="2" name="Título 1">
@@ -12731,7 +12856,9 @@
           <a:prstGeom prst="rect">
             <a:avLst/>
           </a:prstGeom>
-          <a:noFill/>
+          <a:solidFill>
+            <a:schemeClr val="bg2"/>
+          </a:solidFill>
         </p:spPr>
         <p:txBody>
           <a:bodyPr wrap="square">
@@ -14602,6 +14729,36 @@
           <a:chExt cx="0" cy="0"/>
         </a:xfrm>
       </p:grpSpPr>
+      <p:pic>
+        <p:nvPicPr>
+          <p:cNvPr id="5" name="Imagen 4">
+            <a:extLst>
+              <a:ext uri="{FF2B5EF4-FFF2-40B4-BE49-F238E27FC236}">
+                <a16:creationId xmlns:a16="http://schemas.microsoft.com/office/drawing/2014/main" id="{707BA898-B1D7-7571-0194-CC64D4E77B5B}"/>
+              </a:ext>
+            </a:extLst>
+          </p:cNvPr>
+          <p:cNvPicPr>
+            <a:picLocks noChangeAspect="1"/>
+          </p:cNvPicPr>
+          <p:nvPr/>
+        </p:nvPicPr>
+        <p:blipFill>
+          <a:blip r:embed="rId2"/>
+          <a:stretch>
+            <a:fillRect/>
+          </a:stretch>
+        </p:blipFill>
+        <p:spPr>
+          <a:xfrm>
+            <a:off x="0" y="1022"/>
+            <a:ext cx="12193816" cy="6856978"/>
+          </a:xfrm>
+          <a:prstGeom prst="rect">
+            <a:avLst/>
+          </a:prstGeom>
+        </p:spPr>
+      </p:pic>
       <p:sp>
         <p:nvSpPr>
           <p:cNvPr id="2" name="Título 1">
@@ -14734,7 +14891,7 @@
           <p:nvPr/>
         </p:nvPicPr>
         <p:blipFill>
-          <a:blip r:embed="rId2">
+          <a:blip r:embed="rId3">
             <a:duotone>
               <a:schemeClr val="accent2">
                 <a:shade val="45000"/>
@@ -15158,6 +15315,36 @@
           <a:chExt cx="0" cy="0"/>
         </a:xfrm>
       </p:grpSpPr>
+      <p:pic>
+        <p:nvPicPr>
+          <p:cNvPr id="3" name="Imagen 2">
+            <a:extLst>
+              <a:ext uri="{FF2B5EF4-FFF2-40B4-BE49-F238E27FC236}">
+                <a16:creationId xmlns:a16="http://schemas.microsoft.com/office/drawing/2014/main" id="{B502D0FE-A5EA-5120-33AE-AE3D914CFAD8}"/>
+              </a:ext>
+            </a:extLst>
+          </p:cNvPr>
+          <p:cNvPicPr>
+            <a:picLocks noChangeAspect="1"/>
+          </p:cNvPicPr>
+          <p:nvPr/>
+        </p:nvPicPr>
+        <p:blipFill>
+          <a:blip r:embed="rId2"/>
+          <a:stretch>
+            <a:fillRect/>
+          </a:stretch>
+        </p:blipFill>
+        <p:spPr>
+          <a:xfrm>
+            <a:off x="0" y="1022"/>
+            <a:ext cx="12193816" cy="6856978"/>
+          </a:xfrm>
+          <a:prstGeom prst="rect">
+            <a:avLst/>
+          </a:prstGeom>
+        </p:spPr>
+      </p:pic>
       <p:sp>
         <p:nvSpPr>
           <p:cNvPr id="2" name="Título 1">
@@ -15207,7 +15394,9 @@
           <a:prstGeom prst="rect">
             <a:avLst/>
           </a:prstGeom>
-          <a:noFill/>
+          <a:solidFill>
+            <a:schemeClr val="bg2"/>
+          </a:solidFill>
         </p:spPr>
         <p:txBody>
           <a:bodyPr wrap="square">
@@ -16396,7 +16585,7 @@
           <a:p>
             <a:r>
               <a:rPr lang="es-ES" dirty="0"/>
-              <a:t>Pero… para llamar a la función no lo podemos hacer como antes!</a:t>
+              <a:t>¡OJO!… ¡para llamar a la función no lo podemos hacer como antes!</a:t>
             </a:r>
           </a:p>
         </p:txBody>
@@ -16434,6 +16623,36 @@
           <a:chExt cx="0" cy="0"/>
         </a:xfrm>
       </p:grpSpPr>
+      <p:pic>
+        <p:nvPicPr>
+          <p:cNvPr id="3" name="Imagen 2">
+            <a:extLst>
+              <a:ext uri="{FF2B5EF4-FFF2-40B4-BE49-F238E27FC236}">
+                <a16:creationId xmlns:a16="http://schemas.microsoft.com/office/drawing/2014/main" id="{45052427-2A35-94BC-2FED-9A774D121B3F}"/>
+              </a:ext>
+            </a:extLst>
+          </p:cNvPr>
+          <p:cNvPicPr>
+            <a:picLocks noChangeAspect="1"/>
+          </p:cNvPicPr>
+          <p:nvPr/>
+        </p:nvPicPr>
+        <p:blipFill>
+          <a:blip r:embed="rId2"/>
+          <a:stretch>
+            <a:fillRect/>
+          </a:stretch>
+        </p:blipFill>
+        <p:spPr>
+          <a:xfrm>
+            <a:off x="0" y="1022"/>
+            <a:ext cx="12193816" cy="6856978"/>
+          </a:xfrm>
+          <a:prstGeom prst="rect">
+            <a:avLst/>
+          </a:prstGeom>
+        </p:spPr>
+      </p:pic>
       <p:sp>
         <p:nvSpPr>
           <p:cNvPr id="2" name="Título 1">
@@ -16478,7 +16697,7 @@
           <p:nvPr/>
         </p:nvPicPr>
         <p:blipFill>
-          <a:blip r:embed="rId2"/>
+          <a:blip r:embed="rId3"/>
           <a:stretch>
             <a:fillRect/>
           </a:stretch>
@@ -16543,7 +16762,7 @@
           <p:nvPr/>
         </p:nvPicPr>
         <p:blipFill>
-          <a:blip r:embed="rId3"/>
+          <a:blip r:embed="rId4"/>
           <a:stretch>
             <a:fillRect/>
           </a:stretch>
